--- a/POC.pptx
+++ b/POC.pptx
@@ -5,19 +5,18 @@
     <p:sldMasterId id="2147483648" r:id="rId1"/>
   </p:sldMasterIdLst>
   <p:sldIdLst>
-    <p:sldId id="256" r:id="rId2"/>
-    <p:sldId id="257" r:id="rId3"/>
-    <p:sldId id="258" r:id="rId4"/>
-    <p:sldId id="259" r:id="rId5"/>
-    <p:sldId id="260" r:id="rId6"/>
-    <p:sldId id="261" r:id="rId7"/>
-    <p:sldId id="263" r:id="rId8"/>
-    <p:sldId id="262" r:id="rId9"/>
-    <p:sldId id="267" r:id="rId10"/>
-    <p:sldId id="268" r:id="rId11"/>
-    <p:sldId id="264" r:id="rId12"/>
+    <p:sldId id="268" r:id="rId2"/>
+    <p:sldId id="256" r:id="rId3"/>
+    <p:sldId id="257" r:id="rId4"/>
+    <p:sldId id="258" r:id="rId5"/>
+    <p:sldId id="259" r:id="rId6"/>
+    <p:sldId id="269" r:id="rId7"/>
+    <p:sldId id="260" r:id="rId8"/>
+    <p:sldId id="261" r:id="rId9"/>
+    <p:sldId id="263" r:id="rId10"/>
+    <p:sldId id="262" r:id="rId11"/>
+    <p:sldId id="267" r:id="rId12"/>
     <p:sldId id="265" r:id="rId13"/>
-    <p:sldId id="266" r:id="rId14"/>
   </p:sldIdLst>
   <p:sldSz cx="12192000" cy="6858000"/>
   <p:notesSz cx="6858000" cy="9144000"/>
@@ -271,7 +270,7 @@
           <a:p>
             <a:fld id="{AAB59926-05F6-4573-8D4C-B998D6E90B0D}" type="datetimeFigureOut">
               <a:rPr lang="pt-BR" smtClean="0"/>
-              <a:t>17/05/2024</a:t>
+              <a:t>19/05/2024</a:t>
             </a:fld>
             <a:endParaRPr lang="pt-BR"/>
           </a:p>
@@ -469,7 +468,7 @@
           <a:p>
             <a:fld id="{AAB59926-05F6-4573-8D4C-B998D6E90B0D}" type="datetimeFigureOut">
               <a:rPr lang="pt-BR" smtClean="0"/>
-              <a:t>17/05/2024</a:t>
+              <a:t>19/05/2024</a:t>
             </a:fld>
             <a:endParaRPr lang="pt-BR"/>
           </a:p>
@@ -677,7 +676,7 @@
           <a:p>
             <a:fld id="{AAB59926-05F6-4573-8D4C-B998D6E90B0D}" type="datetimeFigureOut">
               <a:rPr lang="pt-BR" smtClean="0"/>
-              <a:t>17/05/2024</a:t>
+              <a:t>19/05/2024</a:t>
             </a:fld>
             <a:endParaRPr lang="pt-BR"/>
           </a:p>
@@ -875,7 +874,7 @@
           <a:p>
             <a:fld id="{AAB59926-05F6-4573-8D4C-B998D6E90B0D}" type="datetimeFigureOut">
               <a:rPr lang="pt-BR" smtClean="0"/>
-              <a:t>17/05/2024</a:t>
+              <a:t>19/05/2024</a:t>
             </a:fld>
             <a:endParaRPr lang="pt-BR"/>
           </a:p>
@@ -1150,7 +1149,7 @@
           <a:p>
             <a:fld id="{AAB59926-05F6-4573-8D4C-B998D6E90B0D}" type="datetimeFigureOut">
               <a:rPr lang="pt-BR" smtClean="0"/>
-              <a:t>17/05/2024</a:t>
+              <a:t>19/05/2024</a:t>
             </a:fld>
             <a:endParaRPr lang="pt-BR"/>
           </a:p>
@@ -1415,7 +1414,7 @@
           <a:p>
             <a:fld id="{AAB59926-05F6-4573-8D4C-B998D6E90B0D}" type="datetimeFigureOut">
               <a:rPr lang="pt-BR" smtClean="0"/>
-              <a:t>17/05/2024</a:t>
+              <a:t>19/05/2024</a:t>
             </a:fld>
             <a:endParaRPr lang="pt-BR"/>
           </a:p>
@@ -1827,7 +1826,7 @@
           <a:p>
             <a:fld id="{AAB59926-05F6-4573-8D4C-B998D6E90B0D}" type="datetimeFigureOut">
               <a:rPr lang="pt-BR" smtClean="0"/>
-              <a:t>17/05/2024</a:t>
+              <a:t>19/05/2024</a:t>
             </a:fld>
             <a:endParaRPr lang="pt-BR"/>
           </a:p>
@@ -1968,7 +1967,7 @@
           <a:p>
             <a:fld id="{AAB59926-05F6-4573-8D4C-B998D6E90B0D}" type="datetimeFigureOut">
               <a:rPr lang="pt-BR" smtClean="0"/>
-              <a:t>17/05/2024</a:t>
+              <a:t>19/05/2024</a:t>
             </a:fld>
             <a:endParaRPr lang="pt-BR"/>
           </a:p>
@@ -2081,7 +2080,7 @@
           <a:p>
             <a:fld id="{AAB59926-05F6-4573-8D4C-B998D6E90B0D}" type="datetimeFigureOut">
               <a:rPr lang="pt-BR" smtClean="0"/>
-              <a:t>17/05/2024</a:t>
+              <a:t>19/05/2024</a:t>
             </a:fld>
             <a:endParaRPr lang="pt-BR"/>
           </a:p>
@@ -2392,7 +2391,7 @@
           <a:p>
             <a:fld id="{AAB59926-05F6-4573-8D4C-B998D6E90B0D}" type="datetimeFigureOut">
               <a:rPr lang="pt-BR" smtClean="0"/>
-              <a:t>17/05/2024</a:t>
+              <a:t>19/05/2024</a:t>
             </a:fld>
             <a:endParaRPr lang="pt-BR"/>
           </a:p>
@@ -2680,7 +2679,7 @@
           <a:p>
             <a:fld id="{AAB59926-05F6-4573-8D4C-B998D6E90B0D}" type="datetimeFigureOut">
               <a:rPr lang="pt-BR" smtClean="0"/>
-              <a:t>17/05/2024</a:t>
+              <a:t>19/05/2024</a:t>
             </a:fld>
             <a:endParaRPr lang="pt-BR"/>
           </a:p>
@@ -2921,7 +2920,7 @@
           <a:p>
             <a:fld id="{AAB59926-05F6-4573-8D4C-B998D6E90B0D}" type="datetimeFigureOut">
               <a:rPr lang="pt-BR" smtClean="0"/>
-              <a:t>17/05/2024</a:t>
+              <a:t>19/05/2024</a:t>
             </a:fld>
             <a:endParaRPr lang="pt-BR"/>
           </a:p>
@@ -3354,6 +3353,1213 @@
             <p:ph type="ctrTitle"/>
           </p:nvPr>
         </p:nvSpPr>
+        <p:spPr>
+          <a:xfrm>
+            <a:off x="1524000" y="1122363"/>
+            <a:ext cx="9144000" cy="2766056"/>
+          </a:xfrm>
+        </p:spPr>
+        <p:txBody>
+          <a:bodyPr>
+            <a:normAutofit/>
+          </a:bodyPr>
+          <a:lstStyle/>
+          <a:p>
+            <a:pPr algn="l"/>
+            <a:r>
+              <a:rPr lang="pt-BR" sz="1200" dirty="0"/>
+              <a:t>Carga de arquivos:</a:t>
+            </a:r>
+            <a:br>
+              <a:rPr lang="pt-BR" sz="1200" dirty="0"/>
+            </a:br>
+            <a:br>
+              <a:rPr lang="pt-BR" sz="1200" dirty="0"/>
+            </a:br>
+            <a:r>
+              <a:rPr lang="pt-BR" sz="1200" dirty="0"/>
+              <a:t>1. Formato do Arquivo JSON - &gt; O arquivo JSON deve estar no formato </a:t>
+            </a:r>
+            <a:r>
+              <a:rPr lang="pt-BR" sz="1200" dirty="0" err="1"/>
+              <a:t>newline-delimited</a:t>
+            </a:r>
+            <a:r>
+              <a:rPr lang="pt-BR" sz="1200" dirty="0"/>
+              <a:t> JSON (JSONL) para carregar corretamente no </a:t>
+            </a:r>
+            <a:r>
+              <a:rPr lang="pt-BR" sz="1200" dirty="0" err="1"/>
+              <a:t>BigQuery</a:t>
+            </a:r>
+            <a:r>
+              <a:rPr lang="pt-BR" sz="1200" dirty="0"/>
+              <a:t>. Então fiz um ajustes.</a:t>
+            </a:r>
+            <a:br>
+              <a:rPr lang="pt-BR" sz="1200" dirty="0"/>
+            </a:br>
+            <a:br>
+              <a:rPr lang="pt-BR" sz="1200" dirty="0"/>
+            </a:br>
+            <a:r>
+              <a:rPr lang="pt-BR" sz="1200" dirty="0"/>
+              <a:t>2. </a:t>
+            </a:r>
+            <a:r>
+              <a:rPr lang="pt-BR" sz="1200" dirty="0" err="1"/>
+              <a:t>Schema</a:t>
+            </a:r>
+            <a:r>
+              <a:rPr lang="pt-BR" sz="1200" dirty="0"/>
+              <a:t> JSON para </a:t>
+            </a:r>
+            <a:r>
+              <a:rPr lang="pt-BR" sz="1200" dirty="0" err="1"/>
+              <a:t>BigQuery</a:t>
+            </a:r>
+            <a:r>
+              <a:rPr lang="pt-BR" sz="1200" dirty="0"/>
+              <a:t> - &gt; O </a:t>
+            </a:r>
+            <a:r>
+              <a:rPr lang="pt-BR" sz="1200" dirty="0" err="1"/>
+              <a:t>schema</a:t>
+            </a:r>
+            <a:r>
+              <a:rPr lang="pt-BR" sz="1200" dirty="0"/>
+              <a:t> precisou ser ajustado para apresentar tipos de dados compatíveis com o </a:t>
+            </a:r>
+            <a:r>
+              <a:rPr lang="pt-BR" sz="1200" dirty="0" err="1"/>
+              <a:t>BigQuery</a:t>
+            </a:r>
+            <a:r>
+              <a:rPr lang="pt-BR" sz="1200" dirty="0"/>
+              <a:t>.</a:t>
+            </a:r>
+            <a:br>
+              <a:rPr lang="pt-BR" sz="1200" dirty="0"/>
+            </a:br>
+            <a:r>
+              <a:rPr lang="pt-BR" sz="1200" dirty="0"/>
+              <a:t>3. Uma vez os dados carregados no Cloud </a:t>
+            </a:r>
+            <a:r>
+              <a:rPr lang="pt-BR" sz="1200" dirty="0" err="1"/>
+              <a:t>Storage</a:t>
+            </a:r>
+            <a:r>
+              <a:rPr lang="pt-BR" sz="1200" dirty="0"/>
+              <a:t> criei tabelas no Big Query.</a:t>
+            </a:r>
+            <a:br>
+              <a:rPr lang="pt-BR" sz="1200" dirty="0"/>
+            </a:br>
+            <a:r>
+              <a:rPr lang="pt-BR" sz="1200" dirty="0"/>
+              <a:t>4. Utilizando o Cloud Shell converti o arquivo XLS para CSV, através de um script que iterasse sobre as planilhas (são 3 planilhas dentro do XLS) e salvei como CSV. A partir daí criei 3 tabelas no Big Query.</a:t>
+            </a:r>
+            <a:br>
+              <a:rPr lang="pt-BR" sz="1200" dirty="0"/>
+            </a:br>
+            <a:r>
+              <a:rPr lang="pt-BR" sz="1200" dirty="0"/>
+              <a:t>5. Os prints a seguir detalham o desenvolvimento.</a:t>
+            </a:r>
+            <a:br>
+              <a:rPr lang="pt-BR" sz="1200" dirty="0"/>
+            </a:br>
+            <a:r>
+              <a:rPr lang="pt-BR" sz="1200" dirty="0"/>
+              <a:t>6. Para um projeto real acredito que utilizar o Apache Beam no Google </a:t>
+            </a:r>
+            <a:r>
+              <a:rPr lang="pt-BR" sz="1200" dirty="0" err="1"/>
+              <a:t>Dataflow</a:t>
+            </a:r>
+            <a:r>
+              <a:rPr lang="pt-BR" sz="1200" dirty="0"/>
+              <a:t> seja a melhor alternativa.</a:t>
+            </a:r>
+            <a:br>
+              <a:rPr lang="pt-BR" sz="1200" dirty="0"/>
+            </a:br>
+            <a:br>
+              <a:rPr lang="pt-BR" sz="1200" dirty="0"/>
+            </a:br>
+            <a:br>
+              <a:rPr lang="pt-BR" sz="1200" dirty="0"/>
+            </a:br>
+            <a:endParaRPr lang="pt-BR" sz="1200" dirty="0"/>
+          </a:p>
+        </p:txBody>
+      </p:sp>
+    </p:spTree>
+    <p:extLst>
+      <p:ext uri="{BB962C8B-B14F-4D97-AF65-F5344CB8AC3E}">
+        <p14:creationId xmlns:p14="http://schemas.microsoft.com/office/powerpoint/2010/main" val="446084138"/>
+      </p:ext>
+    </p:extLst>
+  </p:cSld>
+  <p:clrMapOvr>
+    <a:masterClrMapping/>
+  </p:clrMapOvr>
+</p:sld>
+</file>
+
+<file path=ppt/slides/slide10.xml><?xml version="1.0" encoding="utf-8"?>
+<p:sld xmlns:a="http://schemas.openxmlformats.org/drawingml/2006/main" xmlns:r="http://schemas.openxmlformats.org/officeDocument/2006/relationships" xmlns:p="http://schemas.openxmlformats.org/presentationml/2006/main">
+  <p:cSld>
+    <p:spTree>
+      <p:nvGrpSpPr>
+        <p:cNvPr id="1" name=""/>
+        <p:cNvGrpSpPr/>
+        <p:nvPr/>
+      </p:nvGrpSpPr>
+      <p:grpSpPr>
+        <a:xfrm>
+          <a:off x="0" y="0"/>
+          <a:ext cx="0" cy="0"/>
+          <a:chOff x="0" y="0"/>
+          <a:chExt cx="0" cy="0"/>
+        </a:xfrm>
+      </p:grpSpPr>
+      <p:sp>
+        <p:nvSpPr>
+          <p:cNvPr id="2" name="Título 1">
+            <a:extLst>
+              <a:ext uri="{FF2B5EF4-FFF2-40B4-BE49-F238E27FC236}">
+                <a16:creationId xmlns:a16="http://schemas.microsoft.com/office/drawing/2014/main" id="{C8C6FA00-225A-137E-2475-5A7B6EADB8E9}"/>
+              </a:ext>
+            </a:extLst>
+          </p:cNvPr>
+          <p:cNvSpPr>
+            <a:spLocks noGrp="1"/>
+          </p:cNvSpPr>
+          <p:nvPr>
+            <p:ph type="ctrTitle"/>
+          </p:nvPr>
+        </p:nvSpPr>
+        <p:spPr/>
+        <p:txBody>
+          <a:bodyPr/>
+          <a:lstStyle/>
+          <a:p>
+            <a:endParaRPr lang="pt-BR"/>
+          </a:p>
+        </p:txBody>
+      </p:sp>
+      <p:sp>
+        <p:nvSpPr>
+          <p:cNvPr id="3" name="Subtítulo 2">
+            <a:extLst>
+              <a:ext uri="{FF2B5EF4-FFF2-40B4-BE49-F238E27FC236}">
+                <a16:creationId xmlns:a16="http://schemas.microsoft.com/office/drawing/2014/main" id="{F43DA320-A22B-4554-7A1E-7AE708406927}"/>
+              </a:ext>
+            </a:extLst>
+          </p:cNvPr>
+          <p:cNvSpPr>
+            <a:spLocks noGrp="1"/>
+          </p:cNvSpPr>
+          <p:nvPr>
+            <p:ph type="subTitle" idx="1"/>
+          </p:nvPr>
+        </p:nvSpPr>
+        <p:spPr/>
+        <p:txBody>
+          <a:bodyPr/>
+          <a:lstStyle/>
+          <a:p>
+            <a:endParaRPr lang="pt-BR"/>
+          </a:p>
+        </p:txBody>
+      </p:sp>
+      <p:pic>
+        <p:nvPicPr>
+          <p:cNvPr id="5" name="Imagem 4">
+            <a:extLst>
+              <a:ext uri="{FF2B5EF4-FFF2-40B4-BE49-F238E27FC236}">
+                <a16:creationId xmlns:a16="http://schemas.microsoft.com/office/drawing/2014/main" id="{92A132A5-4E28-1D78-A79D-E7F4904BAEBB}"/>
+              </a:ext>
+            </a:extLst>
+          </p:cNvPr>
+          <p:cNvPicPr>
+            <a:picLocks noChangeAspect="1"/>
+          </p:cNvPicPr>
+          <p:nvPr/>
+        </p:nvPicPr>
+        <p:blipFill>
+          <a:blip r:embed="rId2"/>
+          <a:stretch>
+            <a:fillRect/>
+          </a:stretch>
+        </p:blipFill>
+        <p:spPr>
+          <a:xfrm>
+            <a:off x="0" y="19450"/>
+            <a:ext cx="12192000" cy="6819099"/>
+          </a:xfrm>
+          <a:prstGeom prst="rect">
+            <a:avLst/>
+          </a:prstGeom>
+        </p:spPr>
+      </p:pic>
+    </p:spTree>
+    <p:extLst>
+      <p:ext uri="{BB962C8B-B14F-4D97-AF65-F5344CB8AC3E}">
+        <p14:creationId xmlns:p14="http://schemas.microsoft.com/office/powerpoint/2010/main" val="1006775677"/>
+      </p:ext>
+    </p:extLst>
+  </p:cSld>
+  <p:clrMapOvr>
+    <a:masterClrMapping/>
+  </p:clrMapOvr>
+</p:sld>
+</file>
+
+<file path=ppt/slides/slide11.xml><?xml version="1.0" encoding="utf-8"?>
+<p:sld xmlns:a="http://schemas.openxmlformats.org/drawingml/2006/main" xmlns:r="http://schemas.openxmlformats.org/officeDocument/2006/relationships" xmlns:p="http://schemas.openxmlformats.org/presentationml/2006/main">
+  <p:cSld>
+    <p:spTree>
+      <p:nvGrpSpPr>
+        <p:cNvPr id="1" name=""/>
+        <p:cNvGrpSpPr/>
+        <p:nvPr/>
+      </p:nvGrpSpPr>
+      <p:grpSpPr>
+        <a:xfrm>
+          <a:off x="0" y="0"/>
+          <a:ext cx="0" cy="0"/>
+          <a:chOff x="0" y="0"/>
+          <a:chExt cx="0" cy="0"/>
+        </a:xfrm>
+      </p:grpSpPr>
+      <p:sp>
+        <p:nvSpPr>
+          <p:cNvPr id="2" name="Título 1">
+            <a:extLst>
+              <a:ext uri="{FF2B5EF4-FFF2-40B4-BE49-F238E27FC236}">
+                <a16:creationId xmlns:a16="http://schemas.microsoft.com/office/drawing/2014/main" id="{C8C6FA00-225A-137E-2475-5A7B6EADB8E9}"/>
+              </a:ext>
+            </a:extLst>
+          </p:cNvPr>
+          <p:cNvSpPr>
+            <a:spLocks noGrp="1"/>
+          </p:cNvSpPr>
+          <p:nvPr>
+            <p:ph type="ctrTitle"/>
+          </p:nvPr>
+        </p:nvSpPr>
+        <p:spPr/>
+        <p:txBody>
+          <a:bodyPr/>
+          <a:lstStyle/>
+          <a:p>
+            <a:endParaRPr lang="pt-BR"/>
+          </a:p>
+        </p:txBody>
+      </p:sp>
+      <p:sp>
+        <p:nvSpPr>
+          <p:cNvPr id="3" name="Subtítulo 2">
+            <a:extLst>
+              <a:ext uri="{FF2B5EF4-FFF2-40B4-BE49-F238E27FC236}">
+                <a16:creationId xmlns:a16="http://schemas.microsoft.com/office/drawing/2014/main" id="{F43DA320-A22B-4554-7A1E-7AE708406927}"/>
+              </a:ext>
+            </a:extLst>
+          </p:cNvPr>
+          <p:cNvSpPr>
+            <a:spLocks noGrp="1"/>
+          </p:cNvSpPr>
+          <p:nvPr>
+            <p:ph type="subTitle" idx="1"/>
+          </p:nvPr>
+        </p:nvSpPr>
+        <p:spPr/>
+        <p:txBody>
+          <a:bodyPr/>
+          <a:lstStyle/>
+          <a:p>
+            <a:endParaRPr lang="pt-BR"/>
+          </a:p>
+        </p:txBody>
+      </p:sp>
+      <p:pic>
+        <p:nvPicPr>
+          <p:cNvPr id="5" name="Imagem 4">
+            <a:extLst>
+              <a:ext uri="{FF2B5EF4-FFF2-40B4-BE49-F238E27FC236}">
+                <a16:creationId xmlns:a16="http://schemas.microsoft.com/office/drawing/2014/main" id="{E5654DEF-BB70-2A38-9B36-9F8687DA696C}"/>
+              </a:ext>
+            </a:extLst>
+          </p:cNvPr>
+          <p:cNvPicPr>
+            <a:picLocks noChangeAspect="1"/>
+          </p:cNvPicPr>
+          <p:nvPr/>
+        </p:nvPicPr>
+        <p:blipFill>
+          <a:blip r:embed="rId2"/>
+          <a:stretch>
+            <a:fillRect/>
+          </a:stretch>
+        </p:blipFill>
+        <p:spPr>
+          <a:xfrm>
+            <a:off x="38793" y="0"/>
+            <a:ext cx="12153207" cy="6858000"/>
+          </a:xfrm>
+          <a:prstGeom prst="rect">
+            <a:avLst/>
+          </a:prstGeom>
+        </p:spPr>
+      </p:pic>
+    </p:spTree>
+    <p:extLst>
+      <p:ext uri="{BB962C8B-B14F-4D97-AF65-F5344CB8AC3E}">
+        <p14:creationId xmlns:p14="http://schemas.microsoft.com/office/powerpoint/2010/main" val="1411264236"/>
+      </p:ext>
+    </p:extLst>
+  </p:cSld>
+  <p:clrMapOvr>
+    <a:masterClrMapping/>
+  </p:clrMapOvr>
+</p:sld>
+</file>
+
+<file path=ppt/slides/slide12.xml><?xml version="1.0" encoding="utf-8"?>
+<p:sld xmlns:a="http://schemas.openxmlformats.org/drawingml/2006/main" xmlns:r="http://schemas.openxmlformats.org/officeDocument/2006/relationships" xmlns:p="http://schemas.openxmlformats.org/presentationml/2006/main">
+  <p:cSld>
+    <p:spTree>
+      <p:nvGrpSpPr>
+        <p:cNvPr id="1" name=""/>
+        <p:cNvGrpSpPr/>
+        <p:nvPr/>
+      </p:nvGrpSpPr>
+      <p:grpSpPr>
+        <a:xfrm>
+          <a:off x="0" y="0"/>
+          <a:ext cx="0" cy="0"/>
+          <a:chOff x="0" y="0"/>
+          <a:chExt cx="0" cy="0"/>
+        </a:xfrm>
+      </p:grpSpPr>
+      <p:pic>
+        <p:nvPicPr>
+          <p:cNvPr id="5" name="Imagem 4">
+            <a:extLst>
+              <a:ext uri="{FF2B5EF4-FFF2-40B4-BE49-F238E27FC236}">
+                <a16:creationId xmlns:a16="http://schemas.microsoft.com/office/drawing/2014/main" id="{0B70139F-3264-FF4D-0A11-599BD8A1A81D}"/>
+              </a:ext>
+            </a:extLst>
+          </p:cNvPr>
+          <p:cNvPicPr>
+            <a:picLocks noChangeAspect="1"/>
+          </p:cNvPicPr>
+          <p:nvPr/>
+        </p:nvPicPr>
+        <p:blipFill>
+          <a:blip r:embed="rId2"/>
+          <a:stretch>
+            <a:fillRect/>
+          </a:stretch>
+        </p:blipFill>
+        <p:spPr>
+          <a:xfrm>
+            <a:off x="2235051" y="3711610"/>
+            <a:ext cx="720000" cy="726320"/>
+          </a:xfrm>
+          <a:prstGeom prst="rect">
+            <a:avLst/>
+          </a:prstGeom>
+        </p:spPr>
+      </p:pic>
+      <p:pic>
+        <p:nvPicPr>
+          <p:cNvPr id="7" name="Imagem 6">
+            <a:extLst>
+              <a:ext uri="{FF2B5EF4-FFF2-40B4-BE49-F238E27FC236}">
+                <a16:creationId xmlns:a16="http://schemas.microsoft.com/office/drawing/2014/main" id="{8AB675BC-5F9D-B4E1-62F5-A0304FCD2613}"/>
+              </a:ext>
+            </a:extLst>
+          </p:cNvPr>
+          <p:cNvPicPr>
+            <a:picLocks noChangeAspect="1"/>
+          </p:cNvPicPr>
+          <p:nvPr/>
+        </p:nvPicPr>
+        <p:blipFill>
+          <a:blip r:embed="rId3"/>
+          <a:stretch>
+            <a:fillRect/>
+          </a:stretch>
+        </p:blipFill>
+        <p:spPr>
+          <a:xfrm>
+            <a:off x="2235051" y="2552144"/>
+            <a:ext cx="720000" cy="707580"/>
+          </a:xfrm>
+          <a:prstGeom prst="rect">
+            <a:avLst/>
+          </a:prstGeom>
+        </p:spPr>
+      </p:pic>
+      <p:pic>
+        <p:nvPicPr>
+          <p:cNvPr id="9" name="Imagem 8">
+            <a:extLst>
+              <a:ext uri="{FF2B5EF4-FFF2-40B4-BE49-F238E27FC236}">
+                <a16:creationId xmlns:a16="http://schemas.microsoft.com/office/drawing/2014/main" id="{F495B075-0E99-9D75-A193-0282F1A47C07}"/>
+              </a:ext>
+            </a:extLst>
+          </p:cNvPr>
+          <p:cNvPicPr>
+            <a:picLocks noChangeAspect="1"/>
+          </p:cNvPicPr>
+          <p:nvPr/>
+        </p:nvPicPr>
+        <p:blipFill>
+          <a:blip r:embed="rId4"/>
+          <a:stretch>
+            <a:fillRect/>
+          </a:stretch>
+        </p:blipFill>
+        <p:spPr>
+          <a:xfrm>
+            <a:off x="2235051" y="1337178"/>
+            <a:ext cx="720000" cy="763080"/>
+          </a:xfrm>
+          <a:prstGeom prst="rect">
+            <a:avLst/>
+          </a:prstGeom>
+        </p:spPr>
+      </p:pic>
+      <p:pic>
+        <p:nvPicPr>
+          <p:cNvPr id="11" name="Imagem 10">
+            <a:extLst>
+              <a:ext uri="{FF2B5EF4-FFF2-40B4-BE49-F238E27FC236}">
+                <a16:creationId xmlns:a16="http://schemas.microsoft.com/office/drawing/2014/main" id="{084B9825-9AFE-EF6E-3E9D-CF905304265C}"/>
+              </a:ext>
+            </a:extLst>
+          </p:cNvPr>
+          <p:cNvPicPr>
+            <a:picLocks noChangeAspect="1"/>
+          </p:cNvPicPr>
+          <p:nvPr/>
+        </p:nvPicPr>
+        <p:blipFill>
+          <a:blip r:embed="rId5"/>
+          <a:stretch>
+            <a:fillRect/>
+          </a:stretch>
+        </p:blipFill>
+        <p:spPr>
+          <a:xfrm>
+            <a:off x="554802" y="1337178"/>
+            <a:ext cx="720000" cy="745260"/>
+          </a:xfrm>
+          <a:prstGeom prst="rect">
+            <a:avLst/>
+          </a:prstGeom>
+        </p:spPr>
+      </p:pic>
+      <p:pic>
+        <p:nvPicPr>
+          <p:cNvPr id="13" name="Imagem 12">
+            <a:extLst>
+              <a:ext uri="{FF2B5EF4-FFF2-40B4-BE49-F238E27FC236}">
+                <a16:creationId xmlns:a16="http://schemas.microsoft.com/office/drawing/2014/main" id="{74C9CAA4-2655-6201-E901-F8D91DFE87E2}"/>
+              </a:ext>
+            </a:extLst>
+          </p:cNvPr>
+          <p:cNvPicPr>
+            <a:picLocks noChangeAspect="1"/>
+          </p:cNvPicPr>
+          <p:nvPr/>
+        </p:nvPicPr>
+        <p:blipFill>
+          <a:blip r:embed="rId6"/>
+          <a:stretch>
+            <a:fillRect/>
+          </a:stretch>
+        </p:blipFill>
+        <p:spPr>
+          <a:xfrm>
+            <a:off x="3954225" y="1342220"/>
+            <a:ext cx="720000" cy="720000"/>
+          </a:xfrm>
+          <a:prstGeom prst="rect">
+            <a:avLst/>
+          </a:prstGeom>
+        </p:spPr>
+      </p:pic>
+      <p:pic>
+        <p:nvPicPr>
+          <p:cNvPr id="15" name="Imagem 14">
+            <a:extLst>
+              <a:ext uri="{FF2B5EF4-FFF2-40B4-BE49-F238E27FC236}">
+                <a16:creationId xmlns:a16="http://schemas.microsoft.com/office/drawing/2014/main" id="{E9A8DCF4-DFEB-3E40-862D-C6C5B1ABDE00}"/>
+              </a:ext>
+            </a:extLst>
+          </p:cNvPr>
+          <p:cNvPicPr>
+            <a:picLocks noChangeAspect="1"/>
+          </p:cNvPicPr>
+          <p:nvPr/>
+        </p:nvPicPr>
+        <p:blipFill>
+          <a:blip r:embed="rId7"/>
+          <a:stretch>
+            <a:fillRect/>
+          </a:stretch>
+        </p:blipFill>
+        <p:spPr>
+          <a:xfrm>
+            <a:off x="9028591" y="1337178"/>
+            <a:ext cx="720000" cy="802820"/>
+          </a:xfrm>
+          <a:prstGeom prst="rect">
+            <a:avLst/>
+          </a:prstGeom>
+        </p:spPr>
+      </p:pic>
+      <p:pic>
+        <p:nvPicPr>
+          <p:cNvPr id="1040" name="Picture 16" descr="Json file - Free interface icons">
+            <a:extLst>
+              <a:ext uri="{FF2B5EF4-FFF2-40B4-BE49-F238E27FC236}">
+                <a16:creationId xmlns:a16="http://schemas.microsoft.com/office/drawing/2014/main" id="{F6DA2945-78A2-73E5-A67B-27539E8F12F7}"/>
+              </a:ext>
+            </a:extLst>
+          </p:cNvPr>
+          <p:cNvPicPr>
+            <a:picLocks noChangeAspect="1" noChangeArrowheads="1"/>
+          </p:cNvPicPr>
+          <p:nvPr/>
+        </p:nvPicPr>
+        <p:blipFill>
+          <a:blip r:embed="rId8">
+            <a:extLst>
+              <a:ext uri="{28A0092B-C50C-407E-A947-70E740481C1C}">
+                <a14:useLocalDpi xmlns:a14="http://schemas.microsoft.com/office/drawing/2010/main" val="0"/>
+              </a:ext>
+            </a:extLst>
+          </a:blip>
+          <a:srcRect/>
+          <a:stretch>
+            <a:fillRect/>
+          </a:stretch>
+        </p:blipFill>
+        <p:spPr bwMode="auto">
+          <a:xfrm>
+            <a:off x="735710" y="2363316"/>
+            <a:ext cx="376516" cy="376516"/>
+          </a:xfrm>
+          <a:prstGeom prst="rect">
+            <a:avLst/>
+          </a:prstGeom>
+          <a:noFill/>
+          <a:extLst>
+            <a:ext uri="{909E8E84-426E-40DD-AFC4-6F175D3DCCD1}">
+              <a14:hiddenFill xmlns:a14="http://schemas.microsoft.com/office/drawing/2010/main">
+                <a:solidFill>
+                  <a:srgbClr val="FFFFFF"/>
+                </a:solidFill>
+              </a14:hiddenFill>
+            </a:ext>
+          </a:extLst>
+        </p:spPr>
+      </p:pic>
+      <p:pic>
+        <p:nvPicPr>
+          <p:cNvPr id="1042" name="Picture 18">
+            <a:extLst>
+              <a:ext uri="{FF2B5EF4-FFF2-40B4-BE49-F238E27FC236}">
+                <a16:creationId xmlns:a16="http://schemas.microsoft.com/office/drawing/2014/main" id="{39C72C33-B0A8-4836-4E26-A115E46006F7}"/>
+              </a:ext>
+            </a:extLst>
+          </p:cNvPr>
+          <p:cNvPicPr>
+            <a:picLocks noChangeAspect="1" noChangeArrowheads="1"/>
+          </p:cNvPicPr>
+          <p:nvPr/>
+        </p:nvPicPr>
+        <p:blipFill>
+          <a:blip r:embed="rId9">
+            <a:extLst>
+              <a:ext uri="{28A0092B-C50C-407E-A947-70E740481C1C}">
+                <a14:useLocalDpi xmlns:a14="http://schemas.microsoft.com/office/drawing/2010/main" val="0"/>
+              </a:ext>
+            </a:extLst>
+          </a:blip>
+          <a:srcRect/>
+          <a:stretch>
+            <a:fillRect/>
+          </a:stretch>
+        </p:blipFill>
+        <p:spPr bwMode="auto">
+          <a:xfrm>
+            <a:off x="706560" y="3042903"/>
+            <a:ext cx="416484" cy="386097"/>
+          </a:xfrm>
+          <a:prstGeom prst="rect">
+            <a:avLst/>
+          </a:prstGeom>
+          <a:noFill/>
+          <a:extLst>
+            <a:ext uri="{909E8E84-426E-40DD-AFC4-6F175D3DCCD1}">
+              <a14:hiddenFill xmlns:a14="http://schemas.microsoft.com/office/drawing/2010/main">
+                <a:solidFill>
+                  <a:srgbClr val="FFFFFF"/>
+                </a:solidFill>
+              </a14:hiddenFill>
+            </a:ext>
+          </a:extLst>
+        </p:spPr>
+      </p:pic>
+      <p:sp>
+        <p:nvSpPr>
+          <p:cNvPr id="17" name="Retângulo: Cantos Arredondados 16">
+            <a:extLst>
+              <a:ext uri="{FF2B5EF4-FFF2-40B4-BE49-F238E27FC236}">
+                <a16:creationId xmlns:a16="http://schemas.microsoft.com/office/drawing/2014/main" id="{B7A8B7F9-B958-7E0E-B9C3-A8B84EE0D702}"/>
+              </a:ext>
+            </a:extLst>
+          </p:cNvPr>
+          <p:cNvSpPr/>
+          <p:nvPr/>
+        </p:nvSpPr>
+        <p:spPr>
+          <a:xfrm>
+            <a:off x="3680877" y="1175391"/>
+            <a:ext cx="1225118" cy="1376753"/>
+          </a:xfrm>
+          <a:prstGeom prst="roundRect">
+            <a:avLst/>
+          </a:prstGeom>
+          <a:noFill/>
+          <a:ln>
+            <a:solidFill>
+              <a:schemeClr val="accent1"/>
+            </a:solidFill>
+          </a:ln>
+        </p:spPr>
+        <p:style>
+          <a:lnRef idx="2">
+            <a:schemeClr val="accent1">
+              <a:shade val="15000"/>
+            </a:schemeClr>
+          </a:lnRef>
+          <a:fillRef idx="1">
+            <a:schemeClr val="accent1"/>
+          </a:fillRef>
+          <a:effectRef idx="0">
+            <a:schemeClr val="accent1"/>
+          </a:effectRef>
+          <a:fontRef idx="minor">
+            <a:schemeClr val="lt1"/>
+          </a:fontRef>
+        </p:style>
+        <p:txBody>
+          <a:bodyPr rtlCol="0" anchor="ctr"/>
+          <a:lstStyle/>
+          <a:p>
+            <a:pPr algn="ctr"/>
+            <a:endParaRPr lang="pt-BR"/>
+          </a:p>
+        </p:txBody>
+      </p:sp>
+      <p:sp>
+        <p:nvSpPr>
+          <p:cNvPr id="20" name="Retângulo: Cantos Arredondados 19">
+            <a:extLst>
+              <a:ext uri="{FF2B5EF4-FFF2-40B4-BE49-F238E27FC236}">
+                <a16:creationId xmlns:a16="http://schemas.microsoft.com/office/drawing/2014/main" id="{C86B34EE-B8B3-B25F-E299-7B68AFE70DE4}"/>
+              </a:ext>
+            </a:extLst>
+          </p:cNvPr>
+          <p:cNvSpPr/>
+          <p:nvPr/>
+        </p:nvSpPr>
+        <p:spPr>
+          <a:xfrm>
+            <a:off x="284107" y="1194046"/>
+            <a:ext cx="1225118" cy="2517564"/>
+          </a:xfrm>
+          <a:prstGeom prst="roundRect">
+            <a:avLst/>
+          </a:prstGeom>
+          <a:noFill/>
+          <a:ln>
+            <a:solidFill>
+              <a:schemeClr val="accent1"/>
+            </a:solidFill>
+          </a:ln>
+        </p:spPr>
+        <p:style>
+          <a:lnRef idx="2">
+            <a:schemeClr val="accent1">
+              <a:shade val="15000"/>
+            </a:schemeClr>
+          </a:lnRef>
+          <a:fillRef idx="1">
+            <a:schemeClr val="accent1"/>
+          </a:fillRef>
+          <a:effectRef idx="0">
+            <a:schemeClr val="accent1"/>
+          </a:effectRef>
+          <a:fontRef idx="minor">
+            <a:schemeClr val="lt1"/>
+          </a:fontRef>
+        </p:style>
+        <p:txBody>
+          <a:bodyPr rtlCol="0" anchor="ctr"/>
+          <a:lstStyle/>
+          <a:p>
+            <a:pPr algn="ctr"/>
+            <a:endParaRPr lang="pt-BR"/>
+          </a:p>
+        </p:txBody>
+      </p:sp>
+      <p:sp>
+        <p:nvSpPr>
+          <p:cNvPr id="21" name="Retângulo: Cantos Arredondados 20">
+            <a:extLst>
+              <a:ext uri="{FF2B5EF4-FFF2-40B4-BE49-F238E27FC236}">
+                <a16:creationId xmlns:a16="http://schemas.microsoft.com/office/drawing/2014/main" id="{D745C130-8071-CB3B-1B7E-830BD3A36934}"/>
+              </a:ext>
+            </a:extLst>
+          </p:cNvPr>
+          <p:cNvSpPr/>
+          <p:nvPr/>
+        </p:nvSpPr>
+        <p:spPr>
+          <a:xfrm>
+            <a:off x="1982492" y="1194046"/>
+            <a:ext cx="1225118" cy="3728622"/>
+          </a:xfrm>
+          <a:prstGeom prst="roundRect">
+            <a:avLst/>
+          </a:prstGeom>
+          <a:noFill/>
+          <a:ln>
+            <a:solidFill>
+              <a:schemeClr val="accent1"/>
+            </a:solidFill>
+          </a:ln>
+        </p:spPr>
+        <p:style>
+          <a:lnRef idx="2">
+            <a:schemeClr val="accent1">
+              <a:shade val="15000"/>
+            </a:schemeClr>
+          </a:lnRef>
+          <a:fillRef idx="1">
+            <a:schemeClr val="accent1"/>
+          </a:fillRef>
+          <a:effectRef idx="0">
+            <a:schemeClr val="accent1"/>
+          </a:effectRef>
+          <a:fontRef idx="minor">
+            <a:schemeClr val="lt1"/>
+          </a:fontRef>
+        </p:style>
+        <p:txBody>
+          <a:bodyPr rtlCol="0" anchor="ctr"/>
+          <a:lstStyle/>
+          <a:p>
+            <a:pPr algn="ctr"/>
+            <a:endParaRPr lang="pt-BR"/>
+          </a:p>
+        </p:txBody>
+      </p:sp>
+      <p:sp>
+        <p:nvSpPr>
+          <p:cNvPr id="22" name="Retângulo: Cantos Arredondados 21">
+            <a:extLst>
+              <a:ext uri="{FF2B5EF4-FFF2-40B4-BE49-F238E27FC236}">
+                <a16:creationId xmlns:a16="http://schemas.microsoft.com/office/drawing/2014/main" id="{BF5EBFC4-8ADC-1298-6E3C-6558590E6EFC}"/>
+              </a:ext>
+            </a:extLst>
+          </p:cNvPr>
+          <p:cNvSpPr/>
+          <p:nvPr/>
+        </p:nvSpPr>
+        <p:spPr>
+          <a:xfrm>
+            <a:off x="8776032" y="1170349"/>
+            <a:ext cx="1225118" cy="1376753"/>
+          </a:xfrm>
+          <a:prstGeom prst="roundRect">
+            <a:avLst/>
+          </a:prstGeom>
+          <a:noFill/>
+          <a:ln>
+            <a:solidFill>
+              <a:schemeClr val="accent1"/>
+            </a:solidFill>
+          </a:ln>
+        </p:spPr>
+        <p:style>
+          <a:lnRef idx="2">
+            <a:schemeClr val="accent1">
+              <a:shade val="15000"/>
+            </a:schemeClr>
+          </a:lnRef>
+          <a:fillRef idx="1">
+            <a:schemeClr val="accent1"/>
+          </a:fillRef>
+          <a:effectRef idx="0">
+            <a:schemeClr val="accent1"/>
+          </a:effectRef>
+          <a:fontRef idx="minor">
+            <a:schemeClr val="lt1"/>
+          </a:fontRef>
+        </p:style>
+        <p:txBody>
+          <a:bodyPr rtlCol="0" anchor="ctr"/>
+          <a:lstStyle/>
+          <a:p>
+            <a:pPr algn="ctr"/>
+            <a:endParaRPr lang="pt-BR"/>
+          </a:p>
+        </p:txBody>
+      </p:sp>
+      <p:sp>
+        <p:nvSpPr>
+          <p:cNvPr id="25" name="CaixaDeTexto 24">
+            <a:extLst>
+              <a:ext uri="{FF2B5EF4-FFF2-40B4-BE49-F238E27FC236}">
+                <a16:creationId xmlns:a16="http://schemas.microsoft.com/office/drawing/2014/main" id="{00DCD0D0-2AA5-B131-4914-404C6473DE32}"/>
+              </a:ext>
+            </a:extLst>
+          </p:cNvPr>
+          <p:cNvSpPr txBox="1"/>
+          <p:nvPr/>
+        </p:nvSpPr>
+        <p:spPr>
+          <a:xfrm>
+            <a:off x="244084" y="3869377"/>
+            <a:ext cx="1305165" cy="246221"/>
+          </a:xfrm>
+          <a:prstGeom prst="rect">
+            <a:avLst/>
+          </a:prstGeom>
+          <a:noFill/>
+        </p:spPr>
+        <p:txBody>
+          <a:bodyPr wrap="none" rtlCol="0">
+            <a:spAutoFit/>
+          </a:bodyPr>
+          <a:lstStyle/>
+          <a:p>
+            <a:r>
+              <a:rPr lang="pt-BR" sz="1000" dirty="0"/>
+              <a:t>- Carga de dados </a:t>
+            </a:r>
+            <a:r>
+              <a:rPr lang="pt-BR" sz="1000" dirty="0" err="1"/>
+              <a:t>Json</a:t>
+            </a:r>
+            <a:endParaRPr lang="pt-BR" sz="1000" dirty="0"/>
+          </a:p>
+        </p:txBody>
+      </p:sp>
+      <p:sp>
+        <p:nvSpPr>
+          <p:cNvPr id="26" name="CaixaDeTexto 25">
+            <a:extLst>
+              <a:ext uri="{FF2B5EF4-FFF2-40B4-BE49-F238E27FC236}">
+                <a16:creationId xmlns:a16="http://schemas.microsoft.com/office/drawing/2014/main" id="{B78C9F0A-AB37-59E1-C501-FDFEA3AC02E3}"/>
+              </a:ext>
+            </a:extLst>
+          </p:cNvPr>
+          <p:cNvSpPr txBox="1"/>
+          <p:nvPr/>
+        </p:nvSpPr>
+        <p:spPr>
+          <a:xfrm>
+            <a:off x="531936" y="5539215"/>
+            <a:ext cx="6605711" cy="1015663"/>
+          </a:xfrm>
+          <a:prstGeom prst="rect">
+            <a:avLst/>
+          </a:prstGeom>
+          <a:noFill/>
+        </p:spPr>
+        <p:txBody>
+          <a:bodyPr wrap="square" rtlCol="0">
+            <a:spAutoFit/>
+          </a:bodyPr>
+          <a:lstStyle/>
+          <a:p>
+            <a:r>
+              <a:rPr lang="pt-BR" sz="1000" dirty="0"/>
+              <a:t>- Consumir a API, processar os dados JSON e armazenar no Cloud </a:t>
+            </a:r>
+            <a:r>
+              <a:rPr lang="pt-BR" sz="1000" dirty="0" err="1"/>
+              <a:t>Storage</a:t>
+            </a:r>
+            <a:r>
+              <a:rPr lang="pt-BR" sz="1000" dirty="0"/>
+              <a:t>.</a:t>
+            </a:r>
+          </a:p>
+          <a:p>
+            <a:r>
+              <a:rPr lang="pt-BR" sz="1000" dirty="0"/>
+              <a:t>- Implementar lógica para chamadas de API seguras.</a:t>
+            </a:r>
+          </a:p>
+          <a:p>
+            <a:r>
+              <a:rPr lang="pt-BR" sz="1000" dirty="0"/>
+              <a:t>- Gerenciar autenticação e controle de erros.</a:t>
+            </a:r>
+          </a:p>
+          <a:p>
+            <a:r>
+              <a:rPr lang="pt-BR" sz="1000" dirty="0"/>
+              <a:t>- Configurar triggers para executar a função periodicamente (usando Cloud </a:t>
+            </a:r>
+            <a:r>
+              <a:rPr lang="pt-BR" sz="1000" dirty="0" err="1"/>
+              <a:t>Scheduler</a:t>
+            </a:r>
+            <a:r>
+              <a:rPr lang="pt-BR" sz="1000" dirty="0"/>
+              <a:t>).</a:t>
+            </a:r>
+          </a:p>
+          <a:p>
+            <a:r>
+              <a:rPr lang="pt-BR" sz="1000" dirty="0"/>
+              <a:t>- Configurar notificações no Cloud </a:t>
+            </a:r>
+            <a:r>
+              <a:rPr lang="pt-BR" sz="1000" dirty="0" err="1"/>
+              <a:t>Storage</a:t>
+            </a:r>
+            <a:r>
+              <a:rPr lang="pt-BR" sz="1000" dirty="0"/>
+              <a:t> para enviar eventos para o Pub/Sub quando novos arquivos forem adicionados.</a:t>
+            </a:r>
+          </a:p>
+          <a:p>
+            <a:endParaRPr lang="pt-BR" sz="1000" dirty="0"/>
+          </a:p>
+        </p:txBody>
+      </p:sp>
+      <p:sp>
+        <p:nvSpPr>
+          <p:cNvPr id="27" name="CaixaDeTexto 26">
+            <a:extLst>
+              <a:ext uri="{FF2B5EF4-FFF2-40B4-BE49-F238E27FC236}">
+                <a16:creationId xmlns:a16="http://schemas.microsoft.com/office/drawing/2014/main" id="{B2A6C3FB-3E47-0884-E286-7D5D26FEAFEC}"/>
+              </a:ext>
+            </a:extLst>
+          </p:cNvPr>
+          <p:cNvSpPr txBox="1"/>
+          <p:nvPr/>
+        </p:nvSpPr>
+        <p:spPr>
+          <a:xfrm>
+            <a:off x="284107" y="167627"/>
+            <a:ext cx="11558705" cy="461665"/>
+          </a:xfrm>
+          <a:prstGeom prst="rect">
+            <a:avLst/>
+          </a:prstGeom>
+          <a:noFill/>
+        </p:spPr>
+        <p:txBody>
+          <a:bodyPr wrap="square" rtlCol="0">
+            <a:spAutoFit/>
+          </a:bodyPr>
+          <a:lstStyle/>
+          <a:p>
+            <a:r>
+              <a:rPr lang="pt-BR" sz="1200" dirty="0"/>
+              <a:t>Esta arquitetura permite uma carga de dados automatizada, escalável e robusta utilizando os serviços do GCP. Cada componente é configurado para garantir segurança, eficiência e facilidade de gerenciamento, seguindo boas práticas recomendadas.</a:t>
+            </a:r>
+          </a:p>
+        </p:txBody>
+      </p:sp>
+      <p:sp>
+        <p:nvSpPr>
+          <p:cNvPr id="28" name="CaixaDeTexto 27">
+            <a:extLst>
+              <a:ext uri="{FF2B5EF4-FFF2-40B4-BE49-F238E27FC236}">
+                <a16:creationId xmlns:a16="http://schemas.microsoft.com/office/drawing/2014/main" id="{2AE68005-48FE-3618-F61E-F8BA2F90B523}"/>
+              </a:ext>
+            </a:extLst>
+          </p:cNvPr>
+          <p:cNvSpPr txBox="1"/>
+          <p:nvPr/>
+        </p:nvSpPr>
+        <p:spPr>
+          <a:xfrm>
+            <a:off x="3460169" y="2765904"/>
+            <a:ext cx="4190449" cy="553998"/>
+          </a:xfrm>
+          <a:prstGeom prst="rect">
+            <a:avLst/>
+          </a:prstGeom>
+          <a:noFill/>
+        </p:spPr>
+        <p:txBody>
+          <a:bodyPr wrap="square" rtlCol="0">
+            <a:spAutoFit/>
+          </a:bodyPr>
+          <a:lstStyle/>
+          <a:p>
+            <a:r>
+              <a:rPr lang="pt-BR" sz="1000" dirty="0"/>
+              <a:t>- Desenvolver pipeline usando Apache Beam.</a:t>
+            </a:r>
+          </a:p>
+          <a:p>
+            <a:r>
+              <a:rPr lang="pt-BR" sz="1000" dirty="0"/>
+              <a:t>- Implementar processamento dos dados JSON e carregamento no </a:t>
+            </a:r>
+            <a:r>
+              <a:rPr lang="pt-BR" sz="1000" dirty="0" err="1"/>
+              <a:t>BigQuery</a:t>
+            </a:r>
+            <a:r>
+              <a:rPr lang="pt-BR" sz="1000" dirty="0"/>
+              <a:t>.</a:t>
+            </a:r>
+          </a:p>
+          <a:p>
+            <a:r>
+              <a:rPr lang="pt-BR" sz="1000" dirty="0"/>
+              <a:t>- Usar </a:t>
+            </a:r>
+            <a:r>
+              <a:rPr lang="pt-BR" sz="1000" dirty="0" err="1"/>
+              <a:t>templates</a:t>
+            </a:r>
+            <a:r>
+              <a:rPr lang="pt-BR" sz="1000" dirty="0"/>
+              <a:t> para facilitar a execução e gerenciamento do pipeline.</a:t>
+            </a:r>
+          </a:p>
+        </p:txBody>
+      </p:sp>
+      <p:sp>
+        <p:nvSpPr>
+          <p:cNvPr id="29" name="CaixaDeTexto 28">
+            <a:extLst>
+              <a:ext uri="{FF2B5EF4-FFF2-40B4-BE49-F238E27FC236}">
+                <a16:creationId xmlns:a16="http://schemas.microsoft.com/office/drawing/2014/main" id="{5483EAE3-900F-F726-90EF-0588B795EA4C}"/>
+              </a:ext>
+            </a:extLst>
+          </p:cNvPr>
+          <p:cNvSpPr txBox="1"/>
+          <p:nvPr/>
+        </p:nvSpPr>
+        <p:spPr>
+          <a:xfrm>
+            <a:off x="7757467" y="3992487"/>
+            <a:ext cx="4190449" cy="553998"/>
+          </a:xfrm>
+          <a:prstGeom prst="rect">
+            <a:avLst/>
+          </a:prstGeom>
+          <a:noFill/>
+        </p:spPr>
+        <p:txBody>
+          <a:bodyPr wrap="square" rtlCol="0">
+            <a:spAutoFit/>
+          </a:bodyPr>
+          <a:lstStyle/>
+          <a:p>
+            <a:r>
+              <a:rPr lang="pt-BR" sz="1000" dirty="0"/>
+              <a:t>- Crie </a:t>
+            </a:r>
+            <a:r>
+              <a:rPr lang="pt-BR" sz="1000" dirty="0" err="1"/>
+              <a:t>datasets</a:t>
+            </a:r>
+            <a:r>
+              <a:rPr lang="pt-BR" sz="1000" dirty="0"/>
+              <a:t> e tabelas com esquemas apropriados.</a:t>
+            </a:r>
+          </a:p>
+          <a:p>
+            <a:r>
+              <a:rPr lang="pt-BR" sz="1000" dirty="0"/>
+              <a:t>- Configure partições e </a:t>
+            </a:r>
+            <a:r>
+              <a:rPr lang="pt-BR" sz="1000" dirty="0" err="1"/>
+              <a:t>clustering</a:t>
+            </a:r>
+            <a:r>
+              <a:rPr lang="pt-BR" sz="1000" dirty="0"/>
+              <a:t>, se necessário.</a:t>
+            </a:r>
+          </a:p>
+          <a:p>
+            <a:r>
+              <a:rPr lang="pt-BR" sz="1000" dirty="0"/>
+              <a:t>- Implemente políticas de acesso e segurança.do pipeline.</a:t>
+            </a:r>
+          </a:p>
+        </p:txBody>
+      </p:sp>
+    </p:spTree>
+    <p:extLst>
+      <p:ext uri="{BB962C8B-B14F-4D97-AF65-F5344CB8AC3E}">
+        <p14:creationId xmlns:p14="http://schemas.microsoft.com/office/powerpoint/2010/main" val="1427379040"/>
+      </p:ext>
+    </p:extLst>
+  </p:cSld>
+  <p:clrMapOvr>
+    <a:masterClrMapping/>
+  </p:clrMapOvr>
+</p:sld>
+</file>
+
+<file path=ppt/slides/slide2.xml><?xml version="1.0" encoding="utf-8"?>
+<p:sld xmlns:a="http://schemas.openxmlformats.org/drawingml/2006/main" xmlns:r="http://schemas.openxmlformats.org/officeDocument/2006/relationships" xmlns:p="http://schemas.openxmlformats.org/presentationml/2006/main">
+  <p:cSld>
+    <p:spTree>
+      <p:nvGrpSpPr>
+        <p:cNvPr id="1" name=""/>
+        <p:cNvGrpSpPr/>
+        <p:nvPr/>
+      </p:nvGrpSpPr>
+      <p:grpSpPr>
+        <a:xfrm>
+          <a:off x="0" y="0"/>
+          <a:ext cx="0" cy="0"/>
+          <a:chOff x="0" y="0"/>
+          <a:chExt cx="0" cy="0"/>
+        </a:xfrm>
+      </p:grpSpPr>
+      <p:sp>
+        <p:nvSpPr>
+          <p:cNvPr id="2" name="Título 1">
+            <a:extLst>
+              <a:ext uri="{FF2B5EF4-FFF2-40B4-BE49-F238E27FC236}">
+                <a16:creationId xmlns:a16="http://schemas.microsoft.com/office/drawing/2014/main" id="{C8C6FA00-225A-137E-2475-5A7B6EADB8E9}"/>
+              </a:ext>
+            </a:extLst>
+          </p:cNvPr>
+          <p:cNvSpPr>
+            <a:spLocks noGrp="1"/>
+          </p:cNvSpPr>
+          <p:nvPr>
+            <p:ph type="ctrTitle"/>
+          </p:nvPr>
+        </p:nvSpPr>
         <p:spPr/>
         <p:txBody>
           <a:bodyPr/>
@@ -3431,1046 +4637,7 @@
 </p:sld>
 </file>
 
-<file path=ppt/slides/slide10.xml><?xml version="1.0" encoding="utf-8"?>
-<p:sld xmlns:a="http://schemas.openxmlformats.org/drawingml/2006/main" xmlns:r="http://schemas.openxmlformats.org/officeDocument/2006/relationships" xmlns:p="http://schemas.openxmlformats.org/presentationml/2006/main">
-  <p:cSld>
-    <p:spTree>
-      <p:nvGrpSpPr>
-        <p:cNvPr id="1" name=""/>
-        <p:cNvGrpSpPr/>
-        <p:nvPr/>
-      </p:nvGrpSpPr>
-      <p:grpSpPr>
-        <a:xfrm>
-          <a:off x="0" y="0"/>
-          <a:ext cx="0" cy="0"/>
-          <a:chOff x="0" y="0"/>
-          <a:chExt cx="0" cy="0"/>
-        </a:xfrm>
-      </p:grpSpPr>
-      <p:sp>
-        <p:nvSpPr>
-          <p:cNvPr id="2" name="Título 1">
-            <a:extLst>
-              <a:ext uri="{FF2B5EF4-FFF2-40B4-BE49-F238E27FC236}">
-                <a16:creationId xmlns:a16="http://schemas.microsoft.com/office/drawing/2014/main" id="{C8C6FA00-225A-137E-2475-5A7B6EADB8E9}"/>
-              </a:ext>
-            </a:extLst>
-          </p:cNvPr>
-          <p:cNvSpPr>
-            <a:spLocks noGrp="1"/>
-          </p:cNvSpPr>
-          <p:nvPr>
-            <p:ph type="ctrTitle"/>
-          </p:nvPr>
-        </p:nvSpPr>
-        <p:spPr/>
-        <p:txBody>
-          <a:bodyPr/>
-          <a:lstStyle/>
-          <a:p>
-            <a:endParaRPr lang="pt-BR"/>
-          </a:p>
-        </p:txBody>
-      </p:sp>
-      <p:sp>
-        <p:nvSpPr>
-          <p:cNvPr id="3" name="Subtítulo 2">
-            <a:extLst>
-              <a:ext uri="{FF2B5EF4-FFF2-40B4-BE49-F238E27FC236}">
-                <a16:creationId xmlns:a16="http://schemas.microsoft.com/office/drawing/2014/main" id="{F43DA320-A22B-4554-7A1E-7AE708406927}"/>
-              </a:ext>
-            </a:extLst>
-          </p:cNvPr>
-          <p:cNvSpPr>
-            <a:spLocks noGrp="1"/>
-          </p:cNvSpPr>
-          <p:nvPr>
-            <p:ph type="subTitle" idx="1"/>
-          </p:nvPr>
-        </p:nvSpPr>
-        <p:spPr/>
-        <p:txBody>
-          <a:bodyPr/>
-          <a:lstStyle/>
-          <a:p>
-            <a:endParaRPr lang="pt-BR"/>
-          </a:p>
-        </p:txBody>
-      </p:sp>
-    </p:spTree>
-    <p:extLst>
-      <p:ext uri="{BB962C8B-B14F-4D97-AF65-F5344CB8AC3E}">
-        <p14:creationId xmlns:p14="http://schemas.microsoft.com/office/powerpoint/2010/main" val="446084138"/>
-      </p:ext>
-    </p:extLst>
-  </p:cSld>
-  <p:clrMapOvr>
-    <a:masterClrMapping/>
-  </p:clrMapOvr>
-</p:sld>
-</file>
-
-<file path=ppt/slides/slide11.xml><?xml version="1.0" encoding="utf-8"?>
-<p:sld xmlns:a="http://schemas.openxmlformats.org/drawingml/2006/main" xmlns:r="http://schemas.openxmlformats.org/officeDocument/2006/relationships" xmlns:p="http://schemas.openxmlformats.org/presentationml/2006/main">
-  <p:cSld>
-    <p:spTree>
-      <p:nvGrpSpPr>
-        <p:cNvPr id="1" name=""/>
-        <p:cNvGrpSpPr/>
-        <p:nvPr/>
-      </p:nvGrpSpPr>
-      <p:grpSpPr>
-        <a:xfrm>
-          <a:off x="0" y="0"/>
-          <a:ext cx="0" cy="0"/>
-          <a:chOff x="0" y="0"/>
-          <a:chExt cx="0" cy="0"/>
-        </a:xfrm>
-      </p:grpSpPr>
-      <p:sp>
-        <p:nvSpPr>
-          <p:cNvPr id="2" name="Título 1">
-            <a:extLst>
-              <a:ext uri="{FF2B5EF4-FFF2-40B4-BE49-F238E27FC236}">
-                <a16:creationId xmlns:a16="http://schemas.microsoft.com/office/drawing/2014/main" id="{C8C6FA00-225A-137E-2475-5A7B6EADB8E9}"/>
-              </a:ext>
-            </a:extLst>
-          </p:cNvPr>
-          <p:cNvSpPr>
-            <a:spLocks noGrp="1"/>
-          </p:cNvSpPr>
-          <p:nvPr>
-            <p:ph type="ctrTitle"/>
-          </p:nvPr>
-        </p:nvSpPr>
-        <p:spPr/>
-        <p:txBody>
-          <a:bodyPr/>
-          <a:lstStyle/>
-          <a:p>
-            <a:endParaRPr lang="pt-BR"/>
-          </a:p>
-        </p:txBody>
-      </p:sp>
-      <p:sp>
-        <p:nvSpPr>
-          <p:cNvPr id="3" name="Subtítulo 2">
-            <a:extLst>
-              <a:ext uri="{FF2B5EF4-FFF2-40B4-BE49-F238E27FC236}">
-                <a16:creationId xmlns:a16="http://schemas.microsoft.com/office/drawing/2014/main" id="{F43DA320-A22B-4554-7A1E-7AE708406927}"/>
-              </a:ext>
-            </a:extLst>
-          </p:cNvPr>
-          <p:cNvSpPr>
-            <a:spLocks noGrp="1"/>
-          </p:cNvSpPr>
-          <p:nvPr>
-            <p:ph type="subTitle" idx="1"/>
-          </p:nvPr>
-        </p:nvSpPr>
-        <p:spPr/>
-        <p:txBody>
-          <a:bodyPr/>
-          <a:lstStyle/>
-          <a:p>
-            <a:endParaRPr lang="pt-BR"/>
-          </a:p>
-        </p:txBody>
-      </p:sp>
-    </p:spTree>
-    <p:extLst>
-      <p:ext uri="{BB962C8B-B14F-4D97-AF65-F5344CB8AC3E}">
-        <p14:creationId xmlns:p14="http://schemas.microsoft.com/office/powerpoint/2010/main" val="1129817243"/>
-      </p:ext>
-    </p:extLst>
-  </p:cSld>
-  <p:clrMapOvr>
-    <a:masterClrMapping/>
-  </p:clrMapOvr>
-</p:sld>
-</file>
-
-<file path=ppt/slides/slide12.xml><?xml version="1.0" encoding="utf-8"?>
-<p:sld xmlns:a="http://schemas.openxmlformats.org/drawingml/2006/main" xmlns:r="http://schemas.openxmlformats.org/officeDocument/2006/relationships" xmlns:p="http://schemas.openxmlformats.org/presentationml/2006/main">
-  <p:cSld>
-    <p:spTree>
-      <p:nvGrpSpPr>
-        <p:cNvPr id="1" name=""/>
-        <p:cNvGrpSpPr/>
-        <p:nvPr/>
-      </p:nvGrpSpPr>
-      <p:grpSpPr>
-        <a:xfrm>
-          <a:off x="0" y="0"/>
-          <a:ext cx="0" cy="0"/>
-          <a:chOff x="0" y="0"/>
-          <a:chExt cx="0" cy="0"/>
-        </a:xfrm>
-      </p:grpSpPr>
-      <p:pic>
-        <p:nvPicPr>
-          <p:cNvPr id="5" name="Imagem 4">
-            <a:extLst>
-              <a:ext uri="{FF2B5EF4-FFF2-40B4-BE49-F238E27FC236}">
-                <a16:creationId xmlns:a16="http://schemas.microsoft.com/office/drawing/2014/main" id="{0B70139F-3264-FF4D-0A11-599BD8A1A81D}"/>
-              </a:ext>
-            </a:extLst>
-          </p:cNvPr>
-          <p:cNvPicPr>
-            <a:picLocks noChangeAspect="1"/>
-          </p:cNvPicPr>
-          <p:nvPr/>
-        </p:nvPicPr>
-        <p:blipFill>
-          <a:blip r:embed="rId2"/>
-          <a:stretch>
-            <a:fillRect/>
-          </a:stretch>
-        </p:blipFill>
-        <p:spPr>
-          <a:xfrm>
-            <a:off x="2235051" y="3711610"/>
-            <a:ext cx="720000" cy="726320"/>
-          </a:xfrm>
-          <a:prstGeom prst="rect">
-            <a:avLst/>
-          </a:prstGeom>
-        </p:spPr>
-      </p:pic>
-      <p:pic>
-        <p:nvPicPr>
-          <p:cNvPr id="7" name="Imagem 6">
-            <a:extLst>
-              <a:ext uri="{FF2B5EF4-FFF2-40B4-BE49-F238E27FC236}">
-                <a16:creationId xmlns:a16="http://schemas.microsoft.com/office/drawing/2014/main" id="{8AB675BC-5F9D-B4E1-62F5-A0304FCD2613}"/>
-              </a:ext>
-            </a:extLst>
-          </p:cNvPr>
-          <p:cNvPicPr>
-            <a:picLocks noChangeAspect="1"/>
-          </p:cNvPicPr>
-          <p:nvPr/>
-        </p:nvPicPr>
-        <p:blipFill>
-          <a:blip r:embed="rId3"/>
-          <a:stretch>
-            <a:fillRect/>
-          </a:stretch>
-        </p:blipFill>
-        <p:spPr>
-          <a:xfrm>
-            <a:off x="2235051" y="2552144"/>
-            <a:ext cx="720000" cy="707580"/>
-          </a:xfrm>
-          <a:prstGeom prst="rect">
-            <a:avLst/>
-          </a:prstGeom>
-        </p:spPr>
-      </p:pic>
-      <p:pic>
-        <p:nvPicPr>
-          <p:cNvPr id="9" name="Imagem 8">
-            <a:extLst>
-              <a:ext uri="{FF2B5EF4-FFF2-40B4-BE49-F238E27FC236}">
-                <a16:creationId xmlns:a16="http://schemas.microsoft.com/office/drawing/2014/main" id="{F495B075-0E99-9D75-A193-0282F1A47C07}"/>
-              </a:ext>
-            </a:extLst>
-          </p:cNvPr>
-          <p:cNvPicPr>
-            <a:picLocks noChangeAspect="1"/>
-          </p:cNvPicPr>
-          <p:nvPr/>
-        </p:nvPicPr>
-        <p:blipFill>
-          <a:blip r:embed="rId4"/>
-          <a:stretch>
-            <a:fillRect/>
-          </a:stretch>
-        </p:blipFill>
-        <p:spPr>
-          <a:xfrm>
-            <a:off x="2235051" y="1337178"/>
-            <a:ext cx="720000" cy="763080"/>
-          </a:xfrm>
-          <a:prstGeom prst="rect">
-            <a:avLst/>
-          </a:prstGeom>
-        </p:spPr>
-      </p:pic>
-      <p:pic>
-        <p:nvPicPr>
-          <p:cNvPr id="11" name="Imagem 10">
-            <a:extLst>
-              <a:ext uri="{FF2B5EF4-FFF2-40B4-BE49-F238E27FC236}">
-                <a16:creationId xmlns:a16="http://schemas.microsoft.com/office/drawing/2014/main" id="{084B9825-9AFE-EF6E-3E9D-CF905304265C}"/>
-              </a:ext>
-            </a:extLst>
-          </p:cNvPr>
-          <p:cNvPicPr>
-            <a:picLocks noChangeAspect="1"/>
-          </p:cNvPicPr>
-          <p:nvPr/>
-        </p:nvPicPr>
-        <p:blipFill>
-          <a:blip r:embed="rId5"/>
-          <a:stretch>
-            <a:fillRect/>
-          </a:stretch>
-        </p:blipFill>
-        <p:spPr>
-          <a:xfrm>
-            <a:off x="554802" y="1337178"/>
-            <a:ext cx="720000" cy="745260"/>
-          </a:xfrm>
-          <a:prstGeom prst="rect">
-            <a:avLst/>
-          </a:prstGeom>
-        </p:spPr>
-      </p:pic>
-      <p:pic>
-        <p:nvPicPr>
-          <p:cNvPr id="13" name="Imagem 12">
-            <a:extLst>
-              <a:ext uri="{FF2B5EF4-FFF2-40B4-BE49-F238E27FC236}">
-                <a16:creationId xmlns:a16="http://schemas.microsoft.com/office/drawing/2014/main" id="{74C9CAA4-2655-6201-E901-F8D91DFE87E2}"/>
-              </a:ext>
-            </a:extLst>
-          </p:cNvPr>
-          <p:cNvPicPr>
-            <a:picLocks noChangeAspect="1"/>
-          </p:cNvPicPr>
-          <p:nvPr/>
-        </p:nvPicPr>
-        <p:blipFill>
-          <a:blip r:embed="rId6"/>
-          <a:stretch>
-            <a:fillRect/>
-          </a:stretch>
-        </p:blipFill>
-        <p:spPr>
-          <a:xfrm>
-            <a:off x="3954225" y="1342220"/>
-            <a:ext cx="720000" cy="720000"/>
-          </a:xfrm>
-          <a:prstGeom prst="rect">
-            <a:avLst/>
-          </a:prstGeom>
-        </p:spPr>
-      </p:pic>
-      <p:pic>
-        <p:nvPicPr>
-          <p:cNvPr id="15" name="Imagem 14">
-            <a:extLst>
-              <a:ext uri="{FF2B5EF4-FFF2-40B4-BE49-F238E27FC236}">
-                <a16:creationId xmlns:a16="http://schemas.microsoft.com/office/drawing/2014/main" id="{E9A8DCF4-DFEB-3E40-862D-C6C5B1ABDE00}"/>
-              </a:ext>
-            </a:extLst>
-          </p:cNvPr>
-          <p:cNvPicPr>
-            <a:picLocks noChangeAspect="1"/>
-          </p:cNvPicPr>
-          <p:nvPr/>
-        </p:nvPicPr>
-        <p:blipFill>
-          <a:blip r:embed="rId7"/>
-          <a:stretch>
-            <a:fillRect/>
-          </a:stretch>
-        </p:blipFill>
-        <p:spPr>
-          <a:xfrm>
-            <a:off x="9028591" y="1337178"/>
-            <a:ext cx="720000" cy="802820"/>
-          </a:xfrm>
-          <a:prstGeom prst="rect">
-            <a:avLst/>
-          </a:prstGeom>
-        </p:spPr>
-      </p:pic>
-      <p:pic>
-        <p:nvPicPr>
-          <p:cNvPr id="1040" name="Picture 16" descr="Json file - Free interface icons">
-            <a:extLst>
-              <a:ext uri="{FF2B5EF4-FFF2-40B4-BE49-F238E27FC236}">
-                <a16:creationId xmlns:a16="http://schemas.microsoft.com/office/drawing/2014/main" id="{F6DA2945-78A2-73E5-A67B-27539E8F12F7}"/>
-              </a:ext>
-            </a:extLst>
-          </p:cNvPr>
-          <p:cNvPicPr>
-            <a:picLocks noChangeAspect="1" noChangeArrowheads="1"/>
-          </p:cNvPicPr>
-          <p:nvPr/>
-        </p:nvPicPr>
-        <p:blipFill>
-          <a:blip r:embed="rId8">
-            <a:extLst>
-              <a:ext uri="{28A0092B-C50C-407E-A947-70E740481C1C}">
-                <a14:useLocalDpi xmlns:a14="http://schemas.microsoft.com/office/drawing/2010/main" val="0"/>
-              </a:ext>
-            </a:extLst>
-          </a:blip>
-          <a:srcRect/>
-          <a:stretch>
-            <a:fillRect/>
-          </a:stretch>
-        </p:blipFill>
-        <p:spPr bwMode="auto">
-          <a:xfrm>
-            <a:off x="735710" y="2363316"/>
-            <a:ext cx="376516" cy="376516"/>
-          </a:xfrm>
-          <a:prstGeom prst="rect">
-            <a:avLst/>
-          </a:prstGeom>
-          <a:noFill/>
-          <a:extLst>
-            <a:ext uri="{909E8E84-426E-40DD-AFC4-6F175D3DCCD1}">
-              <a14:hiddenFill xmlns:a14="http://schemas.microsoft.com/office/drawing/2010/main">
-                <a:solidFill>
-                  <a:srgbClr val="FFFFFF"/>
-                </a:solidFill>
-              </a14:hiddenFill>
-            </a:ext>
-          </a:extLst>
-        </p:spPr>
-      </p:pic>
-      <p:pic>
-        <p:nvPicPr>
-          <p:cNvPr id="1042" name="Picture 18">
-            <a:extLst>
-              <a:ext uri="{FF2B5EF4-FFF2-40B4-BE49-F238E27FC236}">
-                <a16:creationId xmlns:a16="http://schemas.microsoft.com/office/drawing/2014/main" id="{39C72C33-B0A8-4836-4E26-A115E46006F7}"/>
-              </a:ext>
-            </a:extLst>
-          </p:cNvPr>
-          <p:cNvPicPr>
-            <a:picLocks noChangeAspect="1" noChangeArrowheads="1"/>
-          </p:cNvPicPr>
-          <p:nvPr/>
-        </p:nvPicPr>
-        <p:blipFill>
-          <a:blip r:embed="rId9">
-            <a:extLst>
-              <a:ext uri="{28A0092B-C50C-407E-A947-70E740481C1C}">
-                <a14:useLocalDpi xmlns:a14="http://schemas.microsoft.com/office/drawing/2010/main" val="0"/>
-              </a:ext>
-            </a:extLst>
-          </a:blip>
-          <a:srcRect/>
-          <a:stretch>
-            <a:fillRect/>
-          </a:stretch>
-        </p:blipFill>
-        <p:spPr bwMode="auto">
-          <a:xfrm>
-            <a:off x="706560" y="3042903"/>
-            <a:ext cx="416484" cy="386097"/>
-          </a:xfrm>
-          <a:prstGeom prst="rect">
-            <a:avLst/>
-          </a:prstGeom>
-          <a:noFill/>
-          <a:extLst>
-            <a:ext uri="{909E8E84-426E-40DD-AFC4-6F175D3DCCD1}">
-              <a14:hiddenFill xmlns:a14="http://schemas.microsoft.com/office/drawing/2010/main">
-                <a:solidFill>
-                  <a:srgbClr val="FFFFFF"/>
-                </a:solidFill>
-              </a14:hiddenFill>
-            </a:ext>
-          </a:extLst>
-        </p:spPr>
-      </p:pic>
-      <p:sp>
-        <p:nvSpPr>
-          <p:cNvPr id="17" name="Retângulo: Cantos Arredondados 16">
-            <a:extLst>
-              <a:ext uri="{FF2B5EF4-FFF2-40B4-BE49-F238E27FC236}">
-                <a16:creationId xmlns:a16="http://schemas.microsoft.com/office/drawing/2014/main" id="{B7A8B7F9-B958-7E0E-B9C3-A8B84EE0D702}"/>
-              </a:ext>
-            </a:extLst>
-          </p:cNvPr>
-          <p:cNvSpPr/>
-          <p:nvPr/>
-        </p:nvSpPr>
-        <p:spPr>
-          <a:xfrm>
-            <a:off x="3680877" y="1175391"/>
-            <a:ext cx="1225118" cy="1376753"/>
-          </a:xfrm>
-          <a:prstGeom prst="roundRect">
-            <a:avLst/>
-          </a:prstGeom>
-          <a:noFill/>
-          <a:ln>
-            <a:solidFill>
-              <a:schemeClr val="accent1"/>
-            </a:solidFill>
-          </a:ln>
-        </p:spPr>
-        <p:style>
-          <a:lnRef idx="2">
-            <a:schemeClr val="accent1">
-              <a:shade val="15000"/>
-            </a:schemeClr>
-          </a:lnRef>
-          <a:fillRef idx="1">
-            <a:schemeClr val="accent1"/>
-          </a:fillRef>
-          <a:effectRef idx="0">
-            <a:schemeClr val="accent1"/>
-          </a:effectRef>
-          <a:fontRef idx="minor">
-            <a:schemeClr val="lt1"/>
-          </a:fontRef>
-        </p:style>
-        <p:txBody>
-          <a:bodyPr rtlCol="0" anchor="ctr"/>
-          <a:lstStyle/>
-          <a:p>
-            <a:pPr algn="ctr"/>
-            <a:endParaRPr lang="pt-BR"/>
-          </a:p>
-        </p:txBody>
-      </p:sp>
-      <p:sp>
-        <p:nvSpPr>
-          <p:cNvPr id="20" name="Retângulo: Cantos Arredondados 19">
-            <a:extLst>
-              <a:ext uri="{FF2B5EF4-FFF2-40B4-BE49-F238E27FC236}">
-                <a16:creationId xmlns:a16="http://schemas.microsoft.com/office/drawing/2014/main" id="{C86B34EE-B8B3-B25F-E299-7B68AFE70DE4}"/>
-              </a:ext>
-            </a:extLst>
-          </p:cNvPr>
-          <p:cNvSpPr/>
-          <p:nvPr/>
-        </p:nvSpPr>
-        <p:spPr>
-          <a:xfrm>
-            <a:off x="284107" y="1194046"/>
-            <a:ext cx="1225118" cy="2517564"/>
-          </a:xfrm>
-          <a:prstGeom prst="roundRect">
-            <a:avLst/>
-          </a:prstGeom>
-          <a:noFill/>
-          <a:ln>
-            <a:solidFill>
-              <a:schemeClr val="accent1"/>
-            </a:solidFill>
-          </a:ln>
-        </p:spPr>
-        <p:style>
-          <a:lnRef idx="2">
-            <a:schemeClr val="accent1">
-              <a:shade val="15000"/>
-            </a:schemeClr>
-          </a:lnRef>
-          <a:fillRef idx="1">
-            <a:schemeClr val="accent1"/>
-          </a:fillRef>
-          <a:effectRef idx="0">
-            <a:schemeClr val="accent1"/>
-          </a:effectRef>
-          <a:fontRef idx="minor">
-            <a:schemeClr val="lt1"/>
-          </a:fontRef>
-        </p:style>
-        <p:txBody>
-          <a:bodyPr rtlCol="0" anchor="ctr"/>
-          <a:lstStyle/>
-          <a:p>
-            <a:pPr algn="ctr"/>
-            <a:endParaRPr lang="pt-BR"/>
-          </a:p>
-        </p:txBody>
-      </p:sp>
-      <p:sp>
-        <p:nvSpPr>
-          <p:cNvPr id="21" name="Retângulo: Cantos Arredondados 20">
-            <a:extLst>
-              <a:ext uri="{FF2B5EF4-FFF2-40B4-BE49-F238E27FC236}">
-                <a16:creationId xmlns:a16="http://schemas.microsoft.com/office/drawing/2014/main" id="{D745C130-8071-CB3B-1B7E-830BD3A36934}"/>
-              </a:ext>
-            </a:extLst>
-          </p:cNvPr>
-          <p:cNvSpPr/>
-          <p:nvPr/>
-        </p:nvSpPr>
-        <p:spPr>
-          <a:xfrm>
-            <a:off x="1982492" y="1194046"/>
-            <a:ext cx="1225118" cy="3728622"/>
-          </a:xfrm>
-          <a:prstGeom prst="roundRect">
-            <a:avLst/>
-          </a:prstGeom>
-          <a:noFill/>
-          <a:ln>
-            <a:solidFill>
-              <a:schemeClr val="accent1"/>
-            </a:solidFill>
-          </a:ln>
-        </p:spPr>
-        <p:style>
-          <a:lnRef idx="2">
-            <a:schemeClr val="accent1">
-              <a:shade val="15000"/>
-            </a:schemeClr>
-          </a:lnRef>
-          <a:fillRef idx="1">
-            <a:schemeClr val="accent1"/>
-          </a:fillRef>
-          <a:effectRef idx="0">
-            <a:schemeClr val="accent1"/>
-          </a:effectRef>
-          <a:fontRef idx="minor">
-            <a:schemeClr val="lt1"/>
-          </a:fontRef>
-        </p:style>
-        <p:txBody>
-          <a:bodyPr rtlCol="0" anchor="ctr"/>
-          <a:lstStyle/>
-          <a:p>
-            <a:pPr algn="ctr"/>
-            <a:endParaRPr lang="pt-BR"/>
-          </a:p>
-        </p:txBody>
-      </p:sp>
-      <p:sp>
-        <p:nvSpPr>
-          <p:cNvPr id="22" name="Retângulo: Cantos Arredondados 21">
-            <a:extLst>
-              <a:ext uri="{FF2B5EF4-FFF2-40B4-BE49-F238E27FC236}">
-                <a16:creationId xmlns:a16="http://schemas.microsoft.com/office/drawing/2014/main" id="{BF5EBFC4-8ADC-1298-6E3C-6558590E6EFC}"/>
-              </a:ext>
-            </a:extLst>
-          </p:cNvPr>
-          <p:cNvSpPr/>
-          <p:nvPr/>
-        </p:nvSpPr>
-        <p:spPr>
-          <a:xfrm>
-            <a:off x="8776032" y="1170349"/>
-            <a:ext cx="1225118" cy="1376753"/>
-          </a:xfrm>
-          <a:prstGeom prst="roundRect">
-            <a:avLst/>
-          </a:prstGeom>
-          <a:noFill/>
-          <a:ln>
-            <a:solidFill>
-              <a:schemeClr val="accent1"/>
-            </a:solidFill>
-          </a:ln>
-        </p:spPr>
-        <p:style>
-          <a:lnRef idx="2">
-            <a:schemeClr val="accent1">
-              <a:shade val="15000"/>
-            </a:schemeClr>
-          </a:lnRef>
-          <a:fillRef idx="1">
-            <a:schemeClr val="accent1"/>
-          </a:fillRef>
-          <a:effectRef idx="0">
-            <a:schemeClr val="accent1"/>
-          </a:effectRef>
-          <a:fontRef idx="minor">
-            <a:schemeClr val="lt1"/>
-          </a:fontRef>
-        </p:style>
-        <p:txBody>
-          <a:bodyPr rtlCol="0" anchor="ctr"/>
-          <a:lstStyle/>
-          <a:p>
-            <a:pPr algn="ctr"/>
-            <a:endParaRPr lang="pt-BR"/>
-          </a:p>
-        </p:txBody>
-      </p:sp>
-      <p:sp>
-        <p:nvSpPr>
-          <p:cNvPr id="25" name="CaixaDeTexto 24">
-            <a:extLst>
-              <a:ext uri="{FF2B5EF4-FFF2-40B4-BE49-F238E27FC236}">
-                <a16:creationId xmlns:a16="http://schemas.microsoft.com/office/drawing/2014/main" id="{00DCD0D0-2AA5-B131-4914-404C6473DE32}"/>
-              </a:ext>
-            </a:extLst>
-          </p:cNvPr>
-          <p:cNvSpPr txBox="1"/>
-          <p:nvPr/>
-        </p:nvSpPr>
-        <p:spPr>
-          <a:xfrm>
-            <a:off x="244084" y="3869377"/>
-            <a:ext cx="1305165" cy="246221"/>
-          </a:xfrm>
-          <a:prstGeom prst="rect">
-            <a:avLst/>
-          </a:prstGeom>
-          <a:noFill/>
-        </p:spPr>
-        <p:txBody>
-          <a:bodyPr wrap="none" rtlCol="0">
-            <a:spAutoFit/>
-          </a:bodyPr>
-          <a:lstStyle/>
-          <a:p>
-            <a:r>
-              <a:rPr lang="pt-BR" sz="1000" dirty="0"/>
-              <a:t>- Carga de dados </a:t>
-            </a:r>
-            <a:r>
-              <a:rPr lang="pt-BR" sz="1000" dirty="0" err="1"/>
-              <a:t>Json</a:t>
-            </a:r>
-            <a:endParaRPr lang="pt-BR" sz="1000" dirty="0"/>
-          </a:p>
-        </p:txBody>
-      </p:sp>
-      <p:sp>
-        <p:nvSpPr>
-          <p:cNvPr id="26" name="CaixaDeTexto 25">
-            <a:extLst>
-              <a:ext uri="{FF2B5EF4-FFF2-40B4-BE49-F238E27FC236}">
-                <a16:creationId xmlns:a16="http://schemas.microsoft.com/office/drawing/2014/main" id="{B78C9F0A-AB37-59E1-C501-FDFEA3AC02E3}"/>
-              </a:ext>
-            </a:extLst>
-          </p:cNvPr>
-          <p:cNvSpPr txBox="1"/>
-          <p:nvPr/>
-        </p:nvSpPr>
-        <p:spPr>
-          <a:xfrm>
-            <a:off x="531936" y="5539215"/>
-            <a:ext cx="6605711" cy="1015663"/>
-          </a:xfrm>
-          <a:prstGeom prst="rect">
-            <a:avLst/>
-          </a:prstGeom>
-          <a:noFill/>
-        </p:spPr>
-        <p:txBody>
-          <a:bodyPr wrap="square" rtlCol="0">
-            <a:spAutoFit/>
-          </a:bodyPr>
-          <a:lstStyle/>
-          <a:p>
-            <a:r>
-              <a:rPr lang="pt-BR" sz="1000" dirty="0"/>
-              <a:t>- Consumir a API, processar os dados JSON e armazenar no Cloud </a:t>
-            </a:r>
-            <a:r>
-              <a:rPr lang="pt-BR" sz="1000" dirty="0" err="1"/>
-              <a:t>Storage</a:t>
-            </a:r>
-            <a:r>
-              <a:rPr lang="pt-BR" sz="1000" dirty="0"/>
-              <a:t>.</a:t>
-            </a:r>
-          </a:p>
-          <a:p>
-            <a:r>
-              <a:rPr lang="pt-BR" sz="1000" dirty="0"/>
-              <a:t>- Implementar lógica para chamadas de API seguras.</a:t>
-            </a:r>
-          </a:p>
-          <a:p>
-            <a:r>
-              <a:rPr lang="pt-BR" sz="1000" dirty="0"/>
-              <a:t>- Gerenciar autenticação e controle de erros.</a:t>
-            </a:r>
-          </a:p>
-          <a:p>
-            <a:r>
-              <a:rPr lang="pt-BR" sz="1000" dirty="0"/>
-              <a:t>- Configurar triggers para executar a função periodicamente (usando Cloud </a:t>
-            </a:r>
-            <a:r>
-              <a:rPr lang="pt-BR" sz="1000" dirty="0" err="1"/>
-              <a:t>Scheduler</a:t>
-            </a:r>
-            <a:r>
-              <a:rPr lang="pt-BR" sz="1000" dirty="0"/>
-              <a:t>).</a:t>
-            </a:r>
-          </a:p>
-          <a:p>
-            <a:r>
-              <a:rPr lang="pt-BR" sz="1000" dirty="0"/>
-              <a:t>- Configurar notificações no Cloud </a:t>
-            </a:r>
-            <a:r>
-              <a:rPr lang="pt-BR" sz="1000" dirty="0" err="1"/>
-              <a:t>Storage</a:t>
-            </a:r>
-            <a:r>
-              <a:rPr lang="pt-BR" sz="1000" dirty="0"/>
-              <a:t> para enviar eventos para o Pub/Sub quando novos arquivos forem adicionados.</a:t>
-            </a:r>
-          </a:p>
-          <a:p>
-            <a:endParaRPr lang="pt-BR" sz="1000" dirty="0"/>
-          </a:p>
-        </p:txBody>
-      </p:sp>
-      <p:sp>
-        <p:nvSpPr>
-          <p:cNvPr id="27" name="CaixaDeTexto 26">
-            <a:extLst>
-              <a:ext uri="{FF2B5EF4-FFF2-40B4-BE49-F238E27FC236}">
-                <a16:creationId xmlns:a16="http://schemas.microsoft.com/office/drawing/2014/main" id="{B2A6C3FB-3E47-0884-E286-7D5D26FEAFEC}"/>
-              </a:ext>
-            </a:extLst>
-          </p:cNvPr>
-          <p:cNvSpPr txBox="1"/>
-          <p:nvPr/>
-        </p:nvSpPr>
-        <p:spPr>
-          <a:xfrm>
-            <a:off x="284107" y="167627"/>
-            <a:ext cx="11558705" cy="461665"/>
-          </a:xfrm>
-          <a:prstGeom prst="rect">
-            <a:avLst/>
-          </a:prstGeom>
-          <a:noFill/>
-        </p:spPr>
-        <p:txBody>
-          <a:bodyPr wrap="square" rtlCol="0">
-            <a:spAutoFit/>
-          </a:bodyPr>
-          <a:lstStyle/>
-          <a:p>
-            <a:r>
-              <a:rPr lang="pt-BR" sz="1200" dirty="0"/>
-              <a:t>Esta arquitetura permite uma carga de dados automatizada, escalável e robusta utilizando os serviços do GCP. Cada componente é configurado para garantir segurança, eficiência e facilidade de gerenciamento, seguindo boas práticas recomendadas.</a:t>
-            </a:r>
-          </a:p>
-        </p:txBody>
-      </p:sp>
-      <p:sp>
-        <p:nvSpPr>
-          <p:cNvPr id="28" name="CaixaDeTexto 27">
-            <a:extLst>
-              <a:ext uri="{FF2B5EF4-FFF2-40B4-BE49-F238E27FC236}">
-                <a16:creationId xmlns:a16="http://schemas.microsoft.com/office/drawing/2014/main" id="{2AE68005-48FE-3618-F61E-F8BA2F90B523}"/>
-              </a:ext>
-            </a:extLst>
-          </p:cNvPr>
-          <p:cNvSpPr txBox="1"/>
-          <p:nvPr/>
-        </p:nvSpPr>
-        <p:spPr>
-          <a:xfrm>
-            <a:off x="3460169" y="2765904"/>
-            <a:ext cx="4190449" cy="553998"/>
-          </a:xfrm>
-          <a:prstGeom prst="rect">
-            <a:avLst/>
-          </a:prstGeom>
-          <a:noFill/>
-        </p:spPr>
-        <p:txBody>
-          <a:bodyPr wrap="square" rtlCol="0">
-            <a:spAutoFit/>
-          </a:bodyPr>
-          <a:lstStyle/>
-          <a:p>
-            <a:r>
-              <a:rPr lang="pt-BR" sz="1000" dirty="0"/>
-              <a:t>- Desenvolver pipeline usando Apache Beam.</a:t>
-            </a:r>
-          </a:p>
-          <a:p>
-            <a:r>
-              <a:rPr lang="pt-BR" sz="1000" dirty="0"/>
-              <a:t>- Implementar processamento dos dados JSON e carregamento no </a:t>
-            </a:r>
-            <a:r>
-              <a:rPr lang="pt-BR" sz="1000" dirty="0" err="1"/>
-              <a:t>BigQuery</a:t>
-            </a:r>
-            <a:r>
-              <a:rPr lang="pt-BR" sz="1000" dirty="0"/>
-              <a:t>.</a:t>
-            </a:r>
-          </a:p>
-          <a:p>
-            <a:r>
-              <a:rPr lang="pt-BR" sz="1000" dirty="0"/>
-              <a:t>- Usar </a:t>
-            </a:r>
-            <a:r>
-              <a:rPr lang="pt-BR" sz="1000" dirty="0" err="1"/>
-              <a:t>templates</a:t>
-            </a:r>
-            <a:r>
-              <a:rPr lang="pt-BR" sz="1000" dirty="0"/>
-              <a:t> para facilitar a execução e gerenciamento do pipeline.</a:t>
-            </a:r>
-          </a:p>
-        </p:txBody>
-      </p:sp>
-      <p:sp>
-        <p:nvSpPr>
-          <p:cNvPr id="29" name="CaixaDeTexto 28">
-            <a:extLst>
-              <a:ext uri="{FF2B5EF4-FFF2-40B4-BE49-F238E27FC236}">
-                <a16:creationId xmlns:a16="http://schemas.microsoft.com/office/drawing/2014/main" id="{5483EAE3-900F-F726-90EF-0588B795EA4C}"/>
-              </a:ext>
-            </a:extLst>
-          </p:cNvPr>
-          <p:cNvSpPr txBox="1"/>
-          <p:nvPr/>
-        </p:nvSpPr>
-        <p:spPr>
-          <a:xfrm>
-            <a:off x="7225781" y="4074770"/>
-            <a:ext cx="4190449" cy="553998"/>
-          </a:xfrm>
-          <a:prstGeom prst="rect">
-            <a:avLst/>
-          </a:prstGeom>
-          <a:noFill/>
-        </p:spPr>
-        <p:txBody>
-          <a:bodyPr wrap="square" rtlCol="0">
-            <a:spAutoFit/>
-          </a:bodyPr>
-          <a:lstStyle/>
-          <a:p>
-            <a:r>
-              <a:rPr lang="pt-BR" sz="1000" dirty="0"/>
-              <a:t>- Crie </a:t>
-            </a:r>
-            <a:r>
-              <a:rPr lang="pt-BR" sz="1000" dirty="0" err="1"/>
-              <a:t>datasets</a:t>
-            </a:r>
-            <a:r>
-              <a:rPr lang="pt-BR" sz="1000" dirty="0"/>
-              <a:t> e tabelas com esquemas apropriados.</a:t>
-            </a:r>
-          </a:p>
-          <a:p>
-            <a:r>
-              <a:rPr lang="pt-BR" sz="1000" dirty="0"/>
-              <a:t>- Configure partições e </a:t>
-            </a:r>
-            <a:r>
-              <a:rPr lang="pt-BR" sz="1000" dirty="0" err="1"/>
-              <a:t>clustering</a:t>
-            </a:r>
-            <a:r>
-              <a:rPr lang="pt-BR" sz="1000" dirty="0"/>
-              <a:t>, se necessário.</a:t>
-            </a:r>
-          </a:p>
-          <a:p>
-            <a:r>
-              <a:rPr lang="pt-BR" sz="1000" dirty="0"/>
-              <a:t>- Implemente políticas de acesso e segurança.do pipeline.</a:t>
-            </a:r>
-          </a:p>
-        </p:txBody>
-      </p:sp>
-    </p:spTree>
-    <p:extLst>
-      <p:ext uri="{BB962C8B-B14F-4D97-AF65-F5344CB8AC3E}">
-        <p14:creationId xmlns:p14="http://schemas.microsoft.com/office/powerpoint/2010/main" val="1427379040"/>
-      </p:ext>
-    </p:extLst>
-  </p:cSld>
-  <p:clrMapOvr>
-    <a:masterClrMapping/>
-  </p:clrMapOvr>
-</p:sld>
-</file>
-
-<file path=ppt/slides/slide13.xml><?xml version="1.0" encoding="utf-8"?>
-<p:sld xmlns:a="http://schemas.openxmlformats.org/drawingml/2006/main" xmlns:r="http://schemas.openxmlformats.org/officeDocument/2006/relationships" xmlns:p="http://schemas.openxmlformats.org/presentationml/2006/main">
-  <p:cSld>
-    <p:spTree>
-      <p:nvGrpSpPr>
-        <p:cNvPr id="1" name=""/>
-        <p:cNvGrpSpPr/>
-        <p:nvPr/>
-      </p:nvGrpSpPr>
-      <p:grpSpPr>
-        <a:xfrm>
-          <a:off x="0" y="0"/>
-          <a:ext cx="0" cy="0"/>
-          <a:chOff x="0" y="0"/>
-          <a:chExt cx="0" cy="0"/>
-        </a:xfrm>
-      </p:grpSpPr>
-      <p:sp>
-        <p:nvSpPr>
-          <p:cNvPr id="2" name="Título 1">
-            <a:extLst>
-              <a:ext uri="{FF2B5EF4-FFF2-40B4-BE49-F238E27FC236}">
-                <a16:creationId xmlns:a16="http://schemas.microsoft.com/office/drawing/2014/main" id="{C8C6FA00-225A-137E-2475-5A7B6EADB8E9}"/>
-              </a:ext>
-            </a:extLst>
-          </p:cNvPr>
-          <p:cNvSpPr>
-            <a:spLocks noGrp="1"/>
-          </p:cNvSpPr>
-          <p:nvPr>
-            <p:ph type="ctrTitle"/>
-          </p:nvPr>
-        </p:nvSpPr>
-        <p:spPr/>
-        <p:txBody>
-          <a:bodyPr/>
-          <a:lstStyle/>
-          <a:p>
-            <a:endParaRPr lang="pt-BR"/>
-          </a:p>
-        </p:txBody>
-      </p:sp>
-      <p:sp>
-        <p:nvSpPr>
-          <p:cNvPr id="3" name="Subtítulo 2">
-            <a:extLst>
-              <a:ext uri="{FF2B5EF4-FFF2-40B4-BE49-F238E27FC236}">
-                <a16:creationId xmlns:a16="http://schemas.microsoft.com/office/drawing/2014/main" id="{F43DA320-A22B-4554-7A1E-7AE708406927}"/>
-              </a:ext>
-            </a:extLst>
-          </p:cNvPr>
-          <p:cNvSpPr>
-            <a:spLocks noGrp="1"/>
-          </p:cNvSpPr>
-          <p:nvPr>
-            <p:ph type="subTitle" idx="1"/>
-          </p:nvPr>
-        </p:nvSpPr>
-        <p:spPr/>
-        <p:txBody>
-          <a:bodyPr/>
-          <a:lstStyle/>
-          <a:p>
-            <a:endParaRPr lang="pt-BR"/>
-          </a:p>
-        </p:txBody>
-      </p:sp>
-    </p:spTree>
-    <p:extLst>
-      <p:ext uri="{BB962C8B-B14F-4D97-AF65-F5344CB8AC3E}">
-        <p14:creationId xmlns:p14="http://schemas.microsoft.com/office/powerpoint/2010/main" val="2555443878"/>
-      </p:ext>
-    </p:extLst>
-  </p:cSld>
-  <p:clrMapOvr>
-    <a:masterClrMapping/>
-  </p:clrMapOvr>
-</p:sld>
-</file>
-
-<file path=ppt/slides/slide2.xml><?xml version="1.0" encoding="utf-8"?>
+<file path=ppt/slides/slide3.xml><?xml version="1.0" encoding="utf-8"?>
 <p:sld xmlns:a="http://schemas.openxmlformats.org/drawingml/2006/main" xmlns:r="http://schemas.openxmlformats.org/officeDocument/2006/relationships" xmlns:p="http://schemas.openxmlformats.org/presentationml/2006/main">
   <p:cSld>
     <p:spTree>
@@ -4580,7 +4747,7 @@
 </p:sld>
 </file>
 
-<file path=ppt/slides/slide3.xml><?xml version="1.0" encoding="utf-8"?>
+<file path=ppt/slides/slide4.xml><?xml version="1.0" encoding="utf-8"?>
 <p:sld xmlns:a="http://schemas.openxmlformats.org/drawingml/2006/main" xmlns:r="http://schemas.openxmlformats.org/officeDocument/2006/relationships" xmlns:p="http://schemas.openxmlformats.org/presentationml/2006/main">
   <p:cSld>
     <p:spTree>
@@ -4690,7 +4857,7 @@
 </p:sld>
 </file>
 
-<file path=ppt/slides/slide4.xml><?xml version="1.0" encoding="utf-8"?>
+<file path=ppt/slides/slide5.xml><?xml version="1.0" encoding="utf-8"?>
 <p:sld xmlns:a="http://schemas.openxmlformats.org/drawingml/2006/main" xmlns:r="http://schemas.openxmlformats.org/officeDocument/2006/relationships" xmlns:p="http://schemas.openxmlformats.org/presentationml/2006/main">
   <p:cSld>
     <p:spTree>
@@ -4800,7 +4967,111 @@
 </p:sld>
 </file>
 
-<file path=ppt/slides/slide5.xml><?xml version="1.0" encoding="utf-8"?>
+<file path=ppt/slides/slide6.xml><?xml version="1.0" encoding="utf-8"?>
+<p:sld xmlns:a="http://schemas.openxmlformats.org/drawingml/2006/main" xmlns:r="http://schemas.openxmlformats.org/officeDocument/2006/relationships" xmlns:p="http://schemas.openxmlformats.org/presentationml/2006/main">
+  <p:cSld>
+    <p:spTree>
+      <p:nvGrpSpPr>
+        <p:cNvPr id="1" name=""/>
+        <p:cNvGrpSpPr/>
+        <p:nvPr/>
+      </p:nvGrpSpPr>
+      <p:grpSpPr>
+        <a:xfrm>
+          <a:off x="0" y="0"/>
+          <a:ext cx="0" cy="0"/>
+          <a:chOff x="0" y="0"/>
+          <a:chExt cx="0" cy="0"/>
+        </a:xfrm>
+      </p:grpSpPr>
+      <p:sp>
+        <p:nvSpPr>
+          <p:cNvPr id="2" name="Título 1">
+            <a:extLst>
+              <a:ext uri="{FF2B5EF4-FFF2-40B4-BE49-F238E27FC236}">
+                <a16:creationId xmlns:a16="http://schemas.microsoft.com/office/drawing/2014/main" id="{C8C6FA00-225A-137E-2475-5A7B6EADB8E9}"/>
+              </a:ext>
+            </a:extLst>
+          </p:cNvPr>
+          <p:cNvSpPr>
+            <a:spLocks noGrp="1"/>
+          </p:cNvSpPr>
+          <p:nvPr>
+            <p:ph type="ctrTitle"/>
+          </p:nvPr>
+        </p:nvSpPr>
+        <p:spPr>
+          <a:xfrm>
+            <a:off x="1524000" y="1122363"/>
+            <a:ext cx="9144000" cy="2766056"/>
+          </a:xfrm>
+        </p:spPr>
+        <p:txBody>
+          <a:bodyPr>
+            <a:normAutofit/>
+          </a:bodyPr>
+          <a:lstStyle/>
+          <a:p>
+            <a:pPr algn="l"/>
+            <a:r>
+              <a:rPr lang="pt-BR" sz="1200" dirty="0"/>
+              <a:t>Análise exploratória dos dados:</a:t>
+            </a:r>
+            <a:br>
+              <a:rPr lang="pt-BR" sz="1200" dirty="0"/>
+            </a:br>
+            <a:br>
+              <a:rPr lang="pt-BR" sz="1200" dirty="0"/>
+            </a:br>
+            <a:r>
+              <a:rPr lang="pt-BR" sz="1200" dirty="0"/>
+              <a:t>1. Carreguei as tabelas no Power BI, fiz os relacionamentos entre a tabela fato e as tabelas dimensão.</a:t>
+            </a:r>
+            <a:br>
+              <a:rPr lang="pt-BR" sz="1200" dirty="0"/>
+            </a:br>
+            <a:r>
+              <a:rPr lang="pt-BR" sz="1200" dirty="0"/>
+              <a:t>2. Observei que algumas informações ficaram truncadas na conversão de XLS para CSV, então preciso pensar em uma alternativa para corrigir isso, provavelmente um tratamento utilizando Python.</a:t>
+            </a:r>
+            <a:br>
+              <a:rPr lang="pt-BR" sz="1200" dirty="0"/>
+            </a:br>
+            <a:r>
+              <a:rPr lang="pt-BR" sz="1200" dirty="0"/>
+              <a:t>3. Nas informações de país só conta os Estados Unidos, no entanto encontrei várias cidades da Europa e também Austrália nos dados. Vale um entendimento melhor dos dados para entender a origem do erro.</a:t>
+            </a:r>
+            <a:br>
+              <a:rPr lang="pt-BR" sz="1200" dirty="0"/>
+            </a:br>
+            <a:r>
+              <a:rPr lang="pt-BR" sz="1200" dirty="0"/>
+              <a:t>4. Criei algumas visualizações utilizando a identidade visual da Bunge, apenas como exemplo. Considerando os principais indicadores, faturamento, lucro, quantidade de pedidos, regiões e segmentos de atuação.</a:t>
+            </a:r>
+            <a:br>
+              <a:rPr lang="pt-BR" sz="1200" dirty="0"/>
+            </a:br>
+            <a:r>
+              <a:rPr lang="pt-BR" sz="1200" dirty="0"/>
+              <a:t>5. Análises simples, mas que permitem descobrir qual o gerente que performa melhor, qual a categoria que tem mais lucro e etc.</a:t>
+            </a:r>
+          </a:p>
+        </p:txBody>
+      </p:sp>
+    </p:spTree>
+    <p:extLst>
+      <p:ext uri="{BB962C8B-B14F-4D97-AF65-F5344CB8AC3E}">
+        <p14:creationId xmlns:p14="http://schemas.microsoft.com/office/powerpoint/2010/main" val="4098239389"/>
+      </p:ext>
+    </p:extLst>
+  </p:cSld>
+  <p:clrMapOvr>
+    <a:masterClrMapping/>
+  </p:clrMapOvr>
+</p:sld>
+</file>
+
+<file path=ppt/slides/slide7.xml><?xml version="1.0" encoding="utf-8"?>
 <p:sld xmlns:a="http://schemas.openxmlformats.org/drawingml/2006/main" xmlns:r="http://schemas.openxmlformats.org/officeDocument/2006/relationships" xmlns:p="http://schemas.openxmlformats.org/presentationml/2006/main">
   <p:cSld>
     <p:spTree>
@@ -4910,7 +5181,7 @@
 </p:sld>
 </file>
 
-<file path=ppt/slides/slide6.xml><?xml version="1.0" encoding="utf-8"?>
+<file path=ppt/slides/slide8.xml><?xml version="1.0" encoding="utf-8"?>
 <p:sld xmlns:a="http://schemas.openxmlformats.org/drawingml/2006/main" xmlns:r="http://schemas.openxmlformats.org/officeDocument/2006/relationships" xmlns:p="http://schemas.openxmlformats.org/presentationml/2006/main">
   <p:cSld>
     <p:spTree>
@@ -5020,7 +5291,7 @@
 </p:sld>
 </file>
 
-<file path=ppt/slides/slide7.xml><?xml version="1.0" encoding="utf-8"?>
+<file path=ppt/slides/slide9.xml><?xml version="1.0" encoding="utf-8"?>
 <p:sld xmlns:a="http://schemas.openxmlformats.org/drawingml/2006/main" xmlns:r="http://schemas.openxmlformats.org/officeDocument/2006/relationships" xmlns:p="http://schemas.openxmlformats.org/presentationml/2006/main">
   <p:cSld>
     <p:spTree>
@@ -5121,226 +5392,6 @@
     <p:extLst>
       <p:ext uri="{BB962C8B-B14F-4D97-AF65-F5344CB8AC3E}">
         <p14:creationId xmlns:p14="http://schemas.microsoft.com/office/powerpoint/2010/main" val="2699816473"/>
-      </p:ext>
-    </p:extLst>
-  </p:cSld>
-  <p:clrMapOvr>
-    <a:masterClrMapping/>
-  </p:clrMapOvr>
-</p:sld>
-</file>
-
-<file path=ppt/slides/slide8.xml><?xml version="1.0" encoding="utf-8"?>
-<p:sld xmlns:a="http://schemas.openxmlformats.org/drawingml/2006/main" xmlns:r="http://schemas.openxmlformats.org/officeDocument/2006/relationships" xmlns:p="http://schemas.openxmlformats.org/presentationml/2006/main">
-  <p:cSld>
-    <p:spTree>
-      <p:nvGrpSpPr>
-        <p:cNvPr id="1" name=""/>
-        <p:cNvGrpSpPr/>
-        <p:nvPr/>
-      </p:nvGrpSpPr>
-      <p:grpSpPr>
-        <a:xfrm>
-          <a:off x="0" y="0"/>
-          <a:ext cx="0" cy="0"/>
-          <a:chOff x="0" y="0"/>
-          <a:chExt cx="0" cy="0"/>
-        </a:xfrm>
-      </p:grpSpPr>
-      <p:sp>
-        <p:nvSpPr>
-          <p:cNvPr id="2" name="Título 1">
-            <a:extLst>
-              <a:ext uri="{FF2B5EF4-FFF2-40B4-BE49-F238E27FC236}">
-                <a16:creationId xmlns:a16="http://schemas.microsoft.com/office/drawing/2014/main" id="{C8C6FA00-225A-137E-2475-5A7B6EADB8E9}"/>
-              </a:ext>
-            </a:extLst>
-          </p:cNvPr>
-          <p:cNvSpPr>
-            <a:spLocks noGrp="1"/>
-          </p:cNvSpPr>
-          <p:nvPr>
-            <p:ph type="ctrTitle"/>
-          </p:nvPr>
-        </p:nvSpPr>
-        <p:spPr/>
-        <p:txBody>
-          <a:bodyPr/>
-          <a:lstStyle/>
-          <a:p>
-            <a:endParaRPr lang="pt-BR"/>
-          </a:p>
-        </p:txBody>
-      </p:sp>
-      <p:sp>
-        <p:nvSpPr>
-          <p:cNvPr id="3" name="Subtítulo 2">
-            <a:extLst>
-              <a:ext uri="{FF2B5EF4-FFF2-40B4-BE49-F238E27FC236}">
-                <a16:creationId xmlns:a16="http://schemas.microsoft.com/office/drawing/2014/main" id="{F43DA320-A22B-4554-7A1E-7AE708406927}"/>
-              </a:ext>
-            </a:extLst>
-          </p:cNvPr>
-          <p:cNvSpPr>
-            <a:spLocks noGrp="1"/>
-          </p:cNvSpPr>
-          <p:nvPr>
-            <p:ph type="subTitle" idx="1"/>
-          </p:nvPr>
-        </p:nvSpPr>
-        <p:spPr/>
-        <p:txBody>
-          <a:bodyPr/>
-          <a:lstStyle/>
-          <a:p>
-            <a:endParaRPr lang="pt-BR"/>
-          </a:p>
-        </p:txBody>
-      </p:sp>
-      <p:pic>
-        <p:nvPicPr>
-          <p:cNvPr id="5" name="Imagem 4">
-            <a:extLst>
-              <a:ext uri="{FF2B5EF4-FFF2-40B4-BE49-F238E27FC236}">
-                <a16:creationId xmlns:a16="http://schemas.microsoft.com/office/drawing/2014/main" id="{92A132A5-4E28-1D78-A79D-E7F4904BAEBB}"/>
-              </a:ext>
-            </a:extLst>
-          </p:cNvPr>
-          <p:cNvPicPr>
-            <a:picLocks noChangeAspect="1"/>
-          </p:cNvPicPr>
-          <p:nvPr/>
-        </p:nvPicPr>
-        <p:blipFill>
-          <a:blip r:embed="rId2"/>
-          <a:stretch>
-            <a:fillRect/>
-          </a:stretch>
-        </p:blipFill>
-        <p:spPr>
-          <a:xfrm>
-            <a:off x="0" y="19450"/>
-            <a:ext cx="12192000" cy="6819099"/>
-          </a:xfrm>
-          <a:prstGeom prst="rect">
-            <a:avLst/>
-          </a:prstGeom>
-        </p:spPr>
-      </p:pic>
-    </p:spTree>
-    <p:extLst>
-      <p:ext uri="{BB962C8B-B14F-4D97-AF65-F5344CB8AC3E}">
-        <p14:creationId xmlns:p14="http://schemas.microsoft.com/office/powerpoint/2010/main" val="1006775677"/>
-      </p:ext>
-    </p:extLst>
-  </p:cSld>
-  <p:clrMapOvr>
-    <a:masterClrMapping/>
-  </p:clrMapOvr>
-</p:sld>
-</file>
-
-<file path=ppt/slides/slide9.xml><?xml version="1.0" encoding="utf-8"?>
-<p:sld xmlns:a="http://schemas.openxmlformats.org/drawingml/2006/main" xmlns:r="http://schemas.openxmlformats.org/officeDocument/2006/relationships" xmlns:p="http://schemas.openxmlformats.org/presentationml/2006/main">
-  <p:cSld>
-    <p:spTree>
-      <p:nvGrpSpPr>
-        <p:cNvPr id="1" name=""/>
-        <p:cNvGrpSpPr/>
-        <p:nvPr/>
-      </p:nvGrpSpPr>
-      <p:grpSpPr>
-        <a:xfrm>
-          <a:off x="0" y="0"/>
-          <a:ext cx="0" cy="0"/>
-          <a:chOff x="0" y="0"/>
-          <a:chExt cx="0" cy="0"/>
-        </a:xfrm>
-      </p:grpSpPr>
-      <p:sp>
-        <p:nvSpPr>
-          <p:cNvPr id="2" name="Título 1">
-            <a:extLst>
-              <a:ext uri="{FF2B5EF4-FFF2-40B4-BE49-F238E27FC236}">
-                <a16:creationId xmlns:a16="http://schemas.microsoft.com/office/drawing/2014/main" id="{C8C6FA00-225A-137E-2475-5A7B6EADB8E9}"/>
-              </a:ext>
-            </a:extLst>
-          </p:cNvPr>
-          <p:cNvSpPr>
-            <a:spLocks noGrp="1"/>
-          </p:cNvSpPr>
-          <p:nvPr>
-            <p:ph type="ctrTitle"/>
-          </p:nvPr>
-        </p:nvSpPr>
-        <p:spPr/>
-        <p:txBody>
-          <a:bodyPr/>
-          <a:lstStyle/>
-          <a:p>
-            <a:endParaRPr lang="pt-BR"/>
-          </a:p>
-        </p:txBody>
-      </p:sp>
-      <p:sp>
-        <p:nvSpPr>
-          <p:cNvPr id="3" name="Subtítulo 2">
-            <a:extLst>
-              <a:ext uri="{FF2B5EF4-FFF2-40B4-BE49-F238E27FC236}">
-                <a16:creationId xmlns:a16="http://schemas.microsoft.com/office/drawing/2014/main" id="{F43DA320-A22B-4554-7A1E-7AE708406927}"/>
-              </a:ext>
-            </a:extLst>
-          </p:cNvPr>
-          <p:cNvSpPr>
-            <a:spLocks noGrp="1"/>
-          </p:cNvSpPr>
-          <p:nvPr>
-            <p:ph type="subTitle" idx="1"/>
-          </p:nvPr>
-        </p:nvSpPr>
-        <p:spPr/>
-        <p:txBody>
-          <a:bodyPr/>
-          <a:lstStyle/>
-          <a:p>
-            <a:endParaRPr lang="pt-BR"/>
-          </a:p>
-        </p:txBody>
-      </p:sp>
-      <p:pic>
-        <p:nvPicPr>
-          <p:cNvPr id="5" name="Imagem 4">
-            <a:extLst>
-              <a:ext uri="{FF2B5EF4-FFF2-40B4-BE49-F238E27FC236}">
-                <a16:creationId xmlns:a16="http://schemas.microsoft.com/office/drawing/2014/main" id="{E5654DEF-BB70-2A38-9B36-9F8687DA696C}"/>
-              </a:ext>
-            </a:extLst>
-          </p:cNvPr>
-          <p:cNvPicPr>
-            <a:picLocks noChangeAspect="1"/>
-          </p:cNvPicPr>
-          <p:nvPr/>
-        </p:nvPicPr>
-        <p:blipFill>
-          <a:blip r:embed="rId2"/>
-          <a:stretch>
-            <a:fillRect/>
-          </a:stretch>
-        </p:blipFill>
-        <p:spPr>
-          <a:xfrm>
-            <a:off x="38793" y="0"/>
-            <a:ext cx="12153207" cy="6858000"/>
-          </a:xfrm>
-          <a:prstGeom prst="rect">
-            <a:avLst/>
-          </a:prstGeom>
-        </p:spPr>
-      </p:pic>
-    </p:spTree>
-    <p:extLst>
-      <p:ext uri="{BB962C8B-B14F-4D97-AF65-F5344CB8AC3E}">
-        <p14:creationId xmlns:p14="http://schemas.microsoft.com/office/powerpoint/2010/main" val="1411264236"/>
       </p:ext>
     </p:extLst>
   </p:cSld>
